--- a/OOPs Concept in C#.pptx
+++ b/OOPs Concept in C#.pptx
@@ -9,6 +9,10 @@
     <p:sldId id="257" r:id="rId3"/>
     <p:sldId id="258" r:id="rId4"/>
     <p:sldId id="259" r:id="rId5"/>
+    <p:sldId id="260" r:id="rId6"/>
+    <p:sldId id="261" r:id="rId7"/>
+    <p:sldId id="262" r:id="rId8"/>
+    <p:sldId id="263" r:id="rId9"/>
   </p:sldIdLst>
   <p:sldSz cx="12192000" cy="6858000"/>
   <p:notesSz cx="6858000" cy="9144000"/>
@@ -107,7 +111,2815 @@
       </a:defRPr>
     </a:lvl9pPr>
   </p:defaultTextStyle>
+  <p:extLst>
+    <p:ext uri="{EFAFB233-063F-42B5-8137-9DF3F51BA10A}">
+      <p15:sldGuideLst xmlns:p15="http://schemas.microsoft.com/office/powerpoint/2012/main"/>
+    </p:ext>
+  </p:extLst>
 </p:presentation>
+</file>
+
+<file path=ppt/diagrams/colors1.xml><?xml version="1.0" encoding="utf-8"?>
+<dgm:colorsDef xmlns:dgm="http://schemas.openxmlformats.org/drawingml/2006/diagram" xmlns:a="http://schemas.openxmlformats.org/drawingml/2006/main" uniqueId="urn:microsoft.com/office/officeart/2005/8/colors/colorful2">
+  <dgm:title val=""/>
+  <dgm:desc val=""/>
+  <dgm:catLst>
+    <dgm:cat type="colorful" pri="10200"/>
+  </dgm:catLst>
+  <dgm:styleLbl name="node0">
+    <dgm:fillClrLst meth="repeat">
+      <a:schemeClr val="accent1"/>
+    </dgm:fillClrLst>
+    <dgm:linClrLst meth="repeat">
+      <a:schemeClr val="lt1"/>
+    </dgm:linClrLst>
+    <dgm:effectClrLst/>
+    <dgm:txLinClrLst/>
+    <dgm:txFillClrLst/>
+    <dgm:txEffectClrLst/>
+  </dgm:styleLbl>
+  <dgm:styleLbl name="node1">
+    <dgm:fillClrLst>
+      <a:schemeClr val="accent2"/>
+      <a:schemeClr val="accent3"/>
+    </dgm:fillClrLst>
+    <dgm:linClrLst meth="repeat">
+      <a:schemeClr val="lt1"/>
+    </dgm:linClrLst>
+    <dgm:effectClrLst/>
+    <dgm:txLinClrLst/>
+    <dgm:txFillClrLst/>
+    <dgm:txEffectClrLst/>
+  </dgm:styleLbl>
+  <dgm:styleLbl name="alignNode1">
+    <dgm:fillClrLst>
+      <a:schemeClr val="accent2"/>
+      <a:schemeClr val="accent3"/>
+    </dgm:fillClrLst>
+    <dgm:linClrLst>
+      <a:schemeClr val="accent2"/>
+      <a:schemeClr val="accent3"/>
+    </dgm:linClrLst>
+    <dgm:effectClrLst/>
+    <dgm:txLinClrLst/>
+    <dgm:txFillClrLst/>
+    <dgm:txEffectClrLst/>
+  </dgm:styleLbl>
+  <dgm:styleLbl name="lnNode1">
+    <dgm:fillClrLst>
+      <a:schemeClr val="accent2"/>
+      <a:schemeClr val="accent3"/>
+    </dgm:fillClrLst>
+    <dgm:linClrLst meth="repeat">
+      <a:schemeClr val="lt1"/>
+    </dgm:linClrLst>
+    <dgm:effectClrLst/>
+    <dgm:txLinClrLst/>
+    <dgm:txFillClrLst/>
+    <dgm:txEffectClrLst/>
+  </dgm:styleLbl>
+  <dgm:styleLbl name="vennNode1">
+    <dgm:fillClrLst>
+      <a:schemeClr val="accent2">
+        <a:alpha val="50000"/>
+      </a:schemeClr>
+      <a:schemeClr val="accent3">
+        <a:alpha val="50000"/>
+      </a:schemeClr>
+    </dgm:fillClrLst>
+    <dgm:linClrLst meth="repeat">
+      <a:schemeClr val="lt1"/>
+    </dgm:linClrLst>
+    <dgm:effectClrLst/>
+    <dgm:txLinClrLst/>
+    <dgm:txFillClrLst/>
+    <dgm:txEffectClrLst/>
+  </dgm:styleLbl>
+  <dgm:styleLbl name="node2">
+    <dgm:fillClrLst>
+      <a:schemeClr val="accent3"/>
+    </dgm:fillClrLst>
+    <dgm:linClrLst meth="repeat">
+      <a:schemeClr val="lt1"/>
+    </dgm:linClrLst>
+    <dgm:effectClrLst/>
+    <dgm:txLinClrLst/>
+    <dgm:txFillClrLst/>
+    <dgm:txEffectClrLst/>
+  </dgm:styleLbl>
+  <dgm:styleLbl name="node3">
+    <dgm:fillClrLst>
+      <a:schemeClr val="accent4"/>
+    </dgm:fillClrLst>
+    <dgm:linClrLst meth="repeat">
+      <a:schemeClr val="lt1"/>
+    </dgm:linClrLst>
+    <dgm:effectClrLst/>
+    <dgm:txLinClrLst/>
+    <dgm:txFillClrLst/>
+    <dgm:txEffectClrLst/>
+  </dgm:styleLbl>
+  <dgm:styleLbl name="node4">
+    <dgm:fillClrLst>
+      <a:schemeClr val="accent5"/>
+    </dgm:fillClrLst>
+    <dgm:linClrLst meth="repeat">
+      <a:schemeClr val="lt1"/>
+    </dgm:linClrLst>
+    <dgm:effectClrLst/>
+    <dgm:txLinClrLst/>
+    <dgm:txFillClrLst/>
+    <dgm:txEffectClrLst/>
+  </dgm:styleLbl>
+  <dgm:styleLbl name="fgImgPlace1">
+    <dgm:fillClrLst>
+      <a:schemeClr val="accent2">
+        <a:tint val="50000"/>
+      </a:schemeClr>
+      <a:schemeClr val="accent3">
+        <a:tint val="50000"/>
+      </a:schemeClr>
+    </dgm:fillClrLst>
+    <dgm:linClrLst meth="repeat">
+      <a:schemeClr val="lt1"/>
+    </dgm:linClrLst>
+    <dgm:effectClrLst/>
+    <dgm:txLinClrLst/>
+    <dgm:txFillClrLst meth="repeat">
+      <a:schemeClr val="lt1"/>
+    </dgm:txFillClrLst>
+    <dgm:txEffectClrLst/>
+  </dgm:styleLbl>
+  <dgm:styleLbl name="alignImgPlace1">
+    <dgm:fillClrLst>
+      <a:schemeClr val="accent2">
+        <a:tint val="50000"/>
+      </a:schemeClr>
+      <a:schemeClr val="accent3">
+        <a:tint val="20000"/>
+      </a:schemeClr>
+    </dgm:fillClrLst>
+    <dgm:linClrLst meth="repeat">
+      <a:schemeClr val="lt1"/>
+    </dgm:linClrLst>
+    <dgm:effectClrLst/>
+    <dgm:txLinClrLst/>
+    <dgm:txFillClrLst meth="repeat">
+      <a:schemeClr val="lt1"/>
+    </dgm:txFillClrLst>
+    <dgm:txEffectClrLst/>
+  </dgm:styleLbl>
+  <dgm:styleLbl name="bgImgPlace1">
+    <dgm:fillClrLst>
+      <a:schemeClr val="accent2">
+        <a:tint val="50000"/>
+      </a:schemeClr>
+      <a:schemeClr val="accent3">
+        <a:tint val="20000"/>
+      </a:schemeClr>
+    </dgm:fillClrLst>
+    <dgm:linClrLst meth="repeat">
+      <a:schemeClr val="lt1"/>
+    </dgm:linClrLst>
+    <dgm:effectClrLst/>
+    <dgm:txLinClrLst/>
+    <dgm:txFillClrLst meth="repeat">
+      <a:schemeClr val="lt1"/>
+    </dgm:txFillClrLst>
+    <dgm:txEffectClrLst/>
+  </dgm:styleLbl>
+  <dgm:styleLbl name="sibTrans2D1">
+    <dgm:fillClrLst>
+      <a:schemeClr val="accent2"/>
+      <a:schemeClr val="accent3"/>
+    </dgm:fillClrLst>
+    <dgm:linClrLst meth="repeat">
+      <a:schemeClr val="lt1"/>
+    </dgm:linClrLst>
+    <dgm:effectClrLst/>
+    <dgm:txLinClrLst/>
+    <dgm:txFillClrLst/>
+    <dgm:txEffectClrLst/>
+  </dgm:styleLbl>
+  <dgm:styleLbl name="fgSibTrans2D1">
+    <dgm:fillClrLst>
+      <a:schemeClr val="accent2"/>
+      <a:schemeClr val="accent3"/>
+    </dgm:fillClrLst>
+    <dgm:linClrLst meth="repeat">
+      <a:schemeClr val="lt1"/>
+    </dgm:linClrLst>
+    <dgm:effectClrLst/>
+    <dgm:txLinClrLst/>
+    <dgm:txFillClrLst meth="repeat">
+      <a:schemeClr val="lt1"/>
+    </dgm:txFillClrLst>
+    <dgm:txEffectClrLst/>
+  </dgm:styleLbl>
+  <dgm:styleLbl name="bgSibTrans2D1">
+    <dgm:fillClrLst>
+      <a:schemeClr val="accent2"/>
+      <a:schemeClr val="accent3"/>
+    </dgm:fillClrLst>
+    <dgm:linClrLst meth="repeat">
+      <a:schemeClr val="lt1"/>
+    </dgm:linClrLst>
+    <dgm:effectClrLst/>
+    <dgm:txLinClrLst/>
+    <dgm:txFillClrLst meth="repeat">
+      <a:schemeClr val="lt1"/>
+    </dgm:txFillClrLst>
+    <dgm:txEffectClrLst/>
+  </dgm:styleLbl>
+  <dgm:styleLbl name="sibTrans1D1">
+    <dgm:fillClrLst/>
+    <dgm:linClrLst>
+      <a:schemeClr val="accent2"/>
+      <a:schemeClr val="accent3"/>
+    </dgm:linClrLst>
+    <dgm:effectClrLst/>
+    <dgm:txLinClrLst/>
+    <dgm:txFillClrLst meth="repeat">
+      <a:schemeClr val="tx1"/>
+    </dgm:txFillClrLst>
+    <dgm:txEffectClrLst/>
+  </dgm:styleLbl>
+  <dgm:styleLbl name="callout">
+    <dgm:fillClrLst meth="repeat">
+      <a:schemeClr val="accent2"/>
+    </dgm:fillClrLst>
+    <dgm:linClrLst meth="repeat">
+      <a:schemeClr val="accent2">
+        <a:tint val="50000"/>
+      </a:schemeClr>
+    </dgm:linClrLst>
+    <dgm:effectClrLst/>
+    <dgm:txLinClrLst/>
+    <dgm:txFillClrLst meth="repeat">
+      <a:schemeClr val="tx1"/>
+    </dgm:txFillClrLst>
+    <dgm:txEffectClrLst/>
+  </dgm:styleLbl>
+  <dgm:styleLbl name="asst0">
+    <dgm:fillClrLst meth="repeat">
+      <a:schemeClr val="accent2"/>
+    </dgm:fillClrLst>
+    <dgm:linClrLst meth="repeat">
+      <a:schemeClr val="lt1">
+        <a:shade val="80000"/>
+      </a:schemeClr>
+    </dgm:linClrLst>
+    <dgm:effectClrLst/>
+    <dgm:txLinClrLst/>
+    <dgm:txFillClrLst/>
+    <dgm:txEffectClrLst/>
+  </dgm:styleLbl>
+  <dgm:styleLbl name="asst1">
+    <dgm:fillClrLst meth="repeat">
+      <a:schemeClr val="accent3"/>
+    </dgm:fillClrLst>
+    <dgm:linClrLst meth="repeat">
+      <a:schemeClr val="lt1">
+        <a:shade val="80000"/>
+      </a:schemeClr>
+    </dgm:linClrLst>
+    <dgm:effectClrLst/>
+    <dgm:txLinClrLst/>
+    <dgm:txFillClrLst/>
+    <dgm:txEffectClrLst/>
+  </dgm:styleLbl>
+  <dgm:styleLbl name="asst2">
+    <dgm:fillClrLst>
+      <a:schemeClr val="accent4"/>
+    </dgm:fillClrLst>
+    <dgm:linClrLst meth="repeat">
+      <a:schemeClr val="lt1"/>
+    </dgm:linClrLst>
+    <dgm:effectClrLst/>
+    <dgm:txLinClrLst/>
+    <dgm:txFillClrLst/>
+    <dgm:txEffectClrLst/>
+  </dgm:styleLbl>
+  <dgm:styleLbl name="asst3">
+    <dgm:fillClrLst>
+      <a:schemeClr val="accent5"/>
+    </dgm:fillClrLst>
+    <dgm:linClrLst meth="repeat">
+      <a:schemeClr val="lt1"/>
+    </dgm:linClrLst>
+    <dgm:effectClrLst/>
+    <dgm:txLinClrLst/>
+    <dgm:txFillClrLst/>
+    <dgm:txEffectClrLst/>
+  </dgm:styleLbl>
+  <dgm:styleLbl name="asst4">
+    <dgm:fillClrLst>
+      <a:schemeClr val="accent6"/>
+    </dgm:fillClrLst>
+    <dgm:linClrLst meth="repeat">
+      <a:schemeClr val="lt1"/>
+    </dgm:linClrLst>
+    <dgm:effectClrLst/>
+    <dgm:txLinClrLst/>
+    <dgm:txFillClrLst/>
+    <dgm:txEffectClrLst/>
+  </dgm:styleLbl>
+  <dgm:styleLbl name="parChTrans2D1">
+    <dgm:fillClrLst meth="repeat">
+      <a:schemeClr val="accent2"/>
+    </dgm:fillClrLst>
+    <dgm:linClrLst meth="repeat">
+      <a:schemeClr val="lt1"/>
+    </dgm:linClrLst>
+    <dgm:effectClrLst/>
+    <dgm:txLinClrLst/>
+    <dgm:txFillClrLst meth="repeat">
+      <a:schemeClr val="lt1"/>
+    </dgm:txFillClrLst>
+    <dgm:txEffectClrLst/>
+  </dgm:styleLbl>
+  <dgm:styleLbl name="parChTrans2D2">
+    <dgm:fillClrLst meth="repeat">
+      <a:schemeClr val="accent3"/>
+    </dgm:fillClrLst>
+    <dgm:linClrLst meth="repeat">
+      <a:schemeClr val="lt1"/>
+    </dgm:linClrLst>
+    <dgm:effectClrLst/>
+    <dgm:txLinClrLst/>
+    <dgm:txFillClrLst/>
+    <dgm:txEffectClrLst/>
+  </dgm:styleLbl>
+  <dgm:styleLbl name="parChTrans2D3">
+    <dgm:fillClrLst meth="repeat">
+      <a:schemeClr val="accent4"/>
+    </dgm:fillClrLst>
+    <dgm:linClrLst meth="repeat">
+      <a:schemeClr val="lt1"/>
+    </dgm:linClrLst>
+    <dgm:effectClrLst/>
+    <dgm:txLinClrLst/>
+    <dgm:txFillClrLst/>
+    <dgm:txEffectClrLst/>
+  </dgm:styleLbl>
+  <dgm:styleLbl name="parChTrans2D4">
+    <dgm:fillClrLst meth="repeat">
+      <a:schemeClr val="accent5"/>
+    </dgm:fillClrLst>
+    <dgm:linClrLst meth="repeat">
+      <a:schemeClr val="lt1"/>
+    </dgm:linClrLst>
+    <dgm:effectClrLst/>
+    <dgm:txLinClrLst/>
+    <dgm:txFillClrLst meth="repeat">
+      <a:schemeClr val="lt1"/>
+    </dgm:txFillClrLst>
+    <dgm:txEffectClrLst/>
+  </dgm:styleLbl>
+  <dgm:styleLbl name="parChTrans1D1">
+    <dgm:fillClrLst meth="repeat">
+      <a:schemeClr val="accent2"/>
+    </dgm:fillClrLst>
+    <dgm:linClrLst meth="repeat">
+      <a:schemeClr val="accent2"/>
+    </dgm:linClrLst>
+    <dgm:effectClrLst/>
+    <dgm:txLinClrLst/>
+    <dgm:txFillClrLst meth="repeat">
+      <a:schemeClr val="tx1"/>
+    </dgm:txFillClrLst>
+    <dgm:txEffectClrLst/>
+  </dgm:styleLbl>
+  <dgm:styleLbl name="parChTrans1D2">
+    <dgm:fillClrLst meth="repeat">
+      <a:schemeClr val="accent2">
+        <a:tint val="90000"/>
+      </a:schemeClr>
+    </dgm:fillClrLst>
+    <dgm:linClrLst meth="repeat">
+      <a:schemeClr val="accent3"/>
+    </dgm:linClrLst>
+    <dgm:effectClrLst/>
+    <dgm:txLinClrLst/>
+    <dgm:txFillClrLst meth="repeat">
+      <a:schemeClr val="tx1"/>
+    </dgm:txFillClrLst>
+    <dgm:txEffectClrLst/>
+  </dgm:styleLbl>
+  <dgm:styleLbl name="parChTrans1D3">
+    <dgm:fillClrLst meth="repeat">
+      <a:schemeClr val="accent2">
+        <a:tint val="70000"/>
+      </a:schemeClr>
+    </dgm:fillClrLst>
+    <dgm:linClrLst meth="repeat">
+      <a:schemeClr val="accent4"/>
+    </dgm:linClrLst>
+    <dgm:effectClrLst/>
+    <dgm:txLinClrLst/>
+    <dgm:txFillClrLst meth="repeat">
+      <a:schemeClr val="tx1"/>
+    </dgm:txFillClrLst>
+    <dgm:txEffectClrLst/>
+  </dgm:styleLbl>
+  <dgm:styleLbl name="parChTrans1D4">
+    <dgm:fillClrLst meth="repeat">
+      <a:schemeClr val="accent2">
+        <a:tint val="50000"/>
+      </a:schemeClr>
+    </dgm:fillClrLst>
+    <dgm:linClrLst meth="repeat">
+      <a:schemeClr val="accent5"/>
+    </dgm:linClrLst>
+    <dgm:effectClrLst/>
+    <dgm:txLinClrLst/>
+    <dgm:txFillClrLst meth="repeat">
+      <a:schemeClr val="tx1"/>
+    </dgm:txFillClrLst>
+    <dgm:txEffectClrLst/>
+  </dgm:styleLbl>
+  <dgm:styleLbl name="fgAcc1">
+    <dgm:fillClrLst meth="repeat">
+      <a:schemeClr val="lt1">
+        <a:alpha val="90000"/>
+      </a:schemeClr>
+    </dgm:fillClrLst>
+    <dgm:linClrLst>
+      <a:schemeClr val="accent2"/>
+      <a:schemeClr val="accent3"/>
+    </dgm:linClrLst>
+    <dgm:effectClrLst/>
+    <dgm:txLinClrLst/>
+    <dgm:txFillClrLst meth="repeat">
+      <a:schemeClr val="dk1"/>
+    </dgm:txFillClrLst>
+    <dgm:txEffectClrLst/>
+  </dgm:styleLbl>
+  <dgm:styleLbl name="conFgAcc1">
+    <dgm:fillClrLst meth="repeat">
+      <a:schemeClr val="lt1">
+        <a:alpha val="90000"/>
+      </a:schemeClr>
+    </dgm:fillClrLst>
+    <dgm:linClrLst>
+      <a:schemeClr val="accent2"/>
+      <a:schemeClr val="accent3"/>
+    </dgm:linClrLst>
+    <dgm:effectClrLst/>
+    <dgm:txLinClrLst/>
+    <dgm:txFillClrLst meth="repeat">
+      <a:schemeClr val="dk1"/>
+    </dgm:txFillClrLst>
+    <dgm:txEffectClrLst/>
+  </dgm:styleLbl>
+  <dgm:styleLbl name="alignAcc1">
+    <dgm:fillClrLst meth="repeat">
+      <a:schemeClr val="lt1">
+        <a:alpha val="90000"/>
+      </a:schemeClr>
+    </dgm:fillClrLst>
+    <dgm:linClrLst>
+      <a:schemeClr val="accent2"/>
+      <a:schemeClr val="accent3"/>
+    </dgm:linClrLst>
+    <dgm:effectClrLst/>
+    <dgm:txLinClrLst/>
+    <dgm:txFillClrLst meth="repeat">
+      <a:schemeClr val="dk1"/>
+    </dgm:txFillClrLst>
+    <dgm:txEffectClrLst/>
+  </dgm:styleLbl>
+  <dgm:styleLbl name="trAlignAcc1">
+    <dgm:fillClrLst meth="repeat">
+      <a:schemeClr val="lt1">
+        <a:alpha val="40000"/>
+      </a:schemeClr>
+    </dgm:fillClrLst>
+    <dgm:linClrLst meth="repeat">
+      <a:schemeClr val="accent2"/>
+    </dgm:linClrLst>
+    <dgm:effectClrLst/>
+    <dgm:txLinClrLst/>
+    <dgm:txFillClrLst meth="repeat">
+      <a:schemeClr val="dk1"/>
+    </dgm:txFillClrLst>
+    <dgm:txEffectClrLst/>
+  </dgm:styleLbl>
+  <dgm:styleLbl name="bgAcc1">
+    <dgm:fillClrLst meth="repeat">
+      <a:schemeClr val="lt1">
+        <a:alpha val="90000"/>
+      </a:schemeClr>
+    </dgm:fillClrLst>
+    <dgm:linClrLst>
+      <a:schemeClr val="accent2"/>
+      <a:schemeClr val="accent3"/>
+    </dgm:linClrLst>
+    <dgm:effectClrLst/>
+    <dgm:txLinClrLst/>
+    <dgm:txFillClrLst meth="repeat">
+      <a:schemeClr val="dk1"/>
+    </dgm:txFillClrLst>
+    <dgm:txEffectClrLst/>
+  </dgm:styleLbl>
+  <dgm:styleLbl name="solidFgAcc1">
+    <dgm:fillClrLst meth="repeat">
+      <a:schemeClr val="lt1"/>
+    </dgm:fillClrLst>
+    <dgm:linClrLst>
+      <a:schemeClr val="accent2"/>
+      <a:schemeClr val="accent3"/>
+    </dgm:linClrLst>
+    <dgm:effectClrLst/>
+    <dgm:txLinClrLst/>
+    <dgm:txFillClrLst meth="repeat">
+      <a:schemeClr val="dk1"/>
+    </dgm:txFillClrLst>
+    <dgm:txEffectClrLst/>
+  </dgm:styleLbl>
+  <dgm:styleLbl name="solidAlignAcc1">
+    <dgm:fillClrLst meth="repeat">
+      <a:schemeClr val="lt1"/>
+    </dgm:fillClrLst>
+    <dgm:linClrLst>
+      <a:schemeClr val="accent2"/>
+      <a:schemeClr val="accent3"/>
+    </dgm:linClrLst>
+    <dgm:effectClrLst/>
+    <dgm:txLinClrLst/>
+    <dgm:txFillClrLst meth="repeat">
+      <a:schemeClr val="dk1"/>
+    </dgm:txFillClrLst>
+    <dgm:txEffectClrLst/>
+  </dgm:styleLbl>
+  <dgm:styleLbl name="solidBgAcc1">
+    <dgm:fillClrLst meth="repeat">
+      <a:schemeClr val="lt1"/>
+    </dgm:fillClrLst>
+    <dgm:linClrLst>
+      <a:schemeClr val="accent2"/>
+      <a:schemeClr val="accent3"/>
+    </dgm:linClrLst>
+    <dgm:effectClrLst/>
+    <dgm:txLinClrLst/>
+    <dgm:txFillClrLst meth="repeat">
+      <a:schemeClr val="dk1"/>
+    </dgm:txFillClrLst>
+    <dgm:txEffectClrLst/>
+  </dgm:styleLbl>
+  <dgm:styleLbl name="fgAccFollowNode1">
+    <dgm:fillClrLst>
+      <a:schemeClr val="accent2">
+        <a:tint val="40000"/>
+        <a:alpha val="90000"/>
+      </a:schemeClr>
+      <a:schemeClr val="accent3">
+        <a:tint val="40000"/>
+        <a:alpha val="90000"/>
+      </a:schemeClr>
+    </dgm:fillClrLst>
+    <dgm:linClrLst>
+      <a:schemeClr val="accent2">
+        <a:tint val="40000"/>
+        <a:alpha val="90000"/>
+      </a:schemeClr>
+      <a:schemeClr val="accent3">
+        <a:tint val="40000"/>
+        <a:alpha val="90000"/>
+      </a:schemeClr>
+    </dgm:linClrLst>
+    <dgm:effectClrLst/>
+    <dgm:txLinClrLst/>
+    <dgm:txFillClrLst meth="repeat">
+      <a:schemeClr val="dk1"/>
+    </dgm:txFillClrLst>
+    <dgm:txEffectClrLst/>
+  </dgm:styleLbl>
+  <dgm:styleLbl name="alignAccFollowNode1">
+    <dgm:fillClrLst>
+      <a:schemeClr val="accent2">
+        <a:tint val="40000"/>
+        <a:alpha val="90000"/>
+      </a:schemeClr>
+      <a:schemeClr val="accent3">
+        <a:tint val="40000"/>
+        <a:alpha val="90000"/>
+      </a:schemeClr>
+    </dgm:fillClrLst>
+    <dgm:linClrLst>
+      <a:schemeClr val="accent2">
+        <a:tint val="40000"/>
+        <a:alpha val="90000"/>
+      </a:schemeClr>
+      <a:schemeClr val="accent3">
+        <a:tint val="40000"/>
+        <a:alpha val="90000"/>
+      </a:schemeClr>
+    </dgm:linClrLst>
+    <dgm:effectClrLst/>
+    <dgm:txLinClrLst/>
+    <dgm:txFillClrLst meth="repeat">
+      <a:schemeClr val="dk1"/>
+    </dgm:txFillClrLst>
+    <dgm:txEffectClrLst/>
+  </dgm:styleLbl>
+  <dgm:styleLbl name="bgAccFollowNode1">
+    <dgm:fillClrLst>
+      <a:schemeClr val="accent2">
+        <a:tint val="40000"/>
+        <a:alpha val="90000"/>
+      </a:schemeClr>
+      <a:schemeClr val="accent3">
+        <a:tint val="40000"/>
+        <a:alpha val="90000"/>
+      </a:schemeClr>
+    </dgm:fillClrLst>
+    <dgm:linClrLst>
+      <a:schemeClr val="accent2">
+        <a:tint val="40000"/>
+        <a:alpha val="90000"/>
+      </a:schemeClr>
+      <a:schemeClr val="accent3">
+        <a:tint val="40000"/>
+        <a:alpha val="90000"/>
+      </a:schemeClr>
+    </dgm:linClrLst>
+    <dgm:effectClrLst/>
+    <dgm:txLinClrLst/>
+    <dgm:txFillClrLst meth="repeat">
+      <a:schemeClr val="dk1"/>
+    </dgm:txFillClrLst>
+    <dgm:txEffectClrLst/>
+  </dgm:styleLbl>
+  <dgm:styleLbl name="fgAcc0">
+    <dgm:fillClrLst meth="repeat">
+      <a:schemeClr val="lt1">
+        <a:alpha val="90000"/>
+      </a:schemeClr>
+    </dgm:fillClrLst>
+    <dgm:linClrLst>
+      <a:schemeClr val="accent1"/>
+    </dgm:linClrLst>
+    <dgm:effectClrLst/>
+    <dgm:txLinClrLst/>
+    <dgm:txFillClrLst meth="repeat">
+      <a:schemeClr val="dk1"/>
+    </dgm:txFillClrLst>
+    <dgm:txEffectClrLst/>
+  </dgm:styleLbl>
+  <dgm:styleLbl name="fgAcc2">
+    <dgm:fillClrLst meth="repeat">
+      <a:schemeClr val="lt1">
+        <a:alpha val="90000"/>
+      </a:schemeClr>
+    </dgm:fillClrLst>
+    <dgm:linClrLst>
+      <a:schemeClr val="accent3"/>
+    </dgm:linClrLst>
+    <dgm:effectClrLst/>
+    <dgm:txLinClrLst/>
+    <dgm:txFillClrLst meth="repeat">
+      <a:schemeClr val="dk1"/>
+    </dgm:txFillClrLst>
+    <dgm:txEffectClrLst/>
+  </dgm:styleLbl>
+  <dgm:styleLbl name="fgAcc3">
+    <dgm:fillClrLst meth="repeat">
+      <a:schemeClr val="lt1">
+        <a:alpha val="90000"/>
+      </a:schemeClr>
+    </dgm:fillClrLst>
+    <dgm:linClrLst>
+      <a:schemeClr val="accent4"/>
+    </dgm:linClrLst>
+    <dgm:effectClrLst/>
+    <dgm:txLinClrLst/>
+    <dgm:txFillClrLst meth="repeat">
+      <a:schemeClr val="dk1"/>
+    </dgm:txFillClrLst>
+    <dgm:txEffectClrLst/>
+  </dgm:styleLbl>
+  <dgm:styleLbl name="fgAcc4">
+    <dgm:fillClrLst meth="repeat">
+      <a:schemeClr val="lt1">
+        <a:alpha val="90000"/>
+      </a:schemeClr>
+    </dgm:fillClrLst>
+    <dgm:linClrLst>
+      <a:schemeClr val="accent5"/>
+    </dgm:linClrLst>
+    <dgm:effectClrLst/>
+    <dgm:txLinClrLst/>
+    <dgm:txFillClrLst meth="repeat">
+      <a:schemeClr val="dk1"/>
+    </dgm:txFillClrLst>
+    <dgm:txEffectClrLst/>
+  </dgm:styleLbl>
+  <dgm:styleLbl name="bgShp">
+    <dgm:fillClrLst meth="repeat">
+      <a:schemeClr val="accent2">
+        <a:tint val="40000"/>
+      </a:schemeClr>
+    </dgm:fillClrLst>
+    <dgm:linClrLst meth="repeat">
+      <a:schemeClr val="dk1"/>
+    </dgm:linClrLst>
+    <dgm:effectClrLst/>
+    <dgm:txLinClrLst/>
+    <dgm:txFillClrLst meth="repeat">
+      <a:schemeClr val="dk1"/>
+    </dgm:txFillClrLst>
+    <dgm:txEffectClrLst/>
+  </dgm:styleLbl>
+  <dgm:styleLbl name="dkBgShp">
+    <dgm:fillClrLst meth="repeat">
+      <a:schemeClr val="accent2">
+        <a:shade val="90000"/>
+      </a:schemeClr>
+    </dgm:fillClrLst>
+    <dgm:linClrLst meth="repeat">
+      <a:schemeClr val="dk1"/>
+    </dgm:linClrLst>
+    <dgm:effectClrLst/>
+    <dgm:txLinClrLst/>
+    <dgm:txFillClrLst meth="repeat">
+      <a:schemeClr val="lt1"/>
+    </dgm:txFillClrLst>
+    <dgm:txEffectClrLst/>
+  </dgm:styleLbl>
+  <dgm:styleLbl name="trBgShp">
+    <dgm:fillClrLst meth="repeat">
+      <a:schemeClr val="accent2">
+        <a:tint val="50000"/>
+        <a:alpha val="40000"/>
+      </a:schemeClr>
+    </dgm:fillClrLst>
+    <dgm:linClrLst meth="repeat">
+      <a:schemeClr val="accent2"/>
+    </dgm:linClrLst>
+    <dgm:effectClrLst/>
+    <dgm:txLinClrLst/>
+    <dgm:txFillClrLst meth="repeat">
+      <a:schemeClr val="lt1"/>
+    </dgm:txFillClrLst>
+    <dgm:txEffectClrLst/>
+  </dgm:styleLbl>
+  <dgm:styleLbl name="fgShp">
+    <dgm:fillClrLst meth="repeat">
+      <a:schemeClr val="accent2">
+        <a:tint val="40000"/>
+      </a:schemeClr>
+    </dgm:fillClrLst>
+    <dgm:linClrLst meth="repeat">
+      <a:schemeClr val="lt1"/>
+    </dgm:linClrLst>
+    <dgm:effectClrLst/>
+    <dgm:txLinClrLst/>
+    <dgm:txFillClrLst meth="repeat">
+      <a:schemeClr val="dk1"/>
+    </dgm:txFillClrLst>
+    <dgm:txEffectClrLst/>
+  </dgm:styleLbl>
+  <dgm:styleLbl name="revTx">
+    <dgm:fillClrLst meth="repeat">
+      <a:schemeClr val="lt1">
+        <a:alpha val="0"/>
+      </a:schemeClr>
+    </dgm:fillClrLst>
+    <dgm:linClrLst meth="repeat">
+      <a:schemeClr val="dk1">
+        <a:alpha val="0"/>
+      </a:schemeClr>
+    </dgm:linClrLst>
+    <dgm:effectClrLst/>
+    <dgm:txLinClrLst/>
+    <dgm:txFillClrLst meth="repeat">
+      <a:schemeClr val="tx1"/>
+    </dgm:txFillClrLst>
+    <dgm:txEffectClrLst/>
+  </dgm:styleLbl>
+</dgm:colorsDef>
+</file>
+
+<file path=ppt/diagrams/data1.xml><?xml version="1.0" encoding="utf-8"?>
+<dgm:dataModel xmlns:dgm="http://schemas.openxmlformats.org/drawingml/2006/diagram" xmlns:a="http://schemas.openxmlformats.org/drawingml/2006/main">
+  <dgm:ptLst>
+    <dgm:pt modelId="{ADCDC656-8D56-4655-B0E3-608A272FC92D}" type="doc">
+      <dgm:prSet loTypeId="urn:microsoft.com/office/officeart/2005/8/layout/matrix2" loCatId="matrix" qsTypeId="urn:microsoft.com/office/officeart/2005/8/quickstyle/simple5" qsCatId="simple" csTypeId="urn:microsoft.com/office/officeart/2005/8/colors/colorful2" csCatId="colorful"/>
+      <dgm:spPr/>
+      <dgm:t>
+        <a:bodyPr/>
+        <a:lstStyle/>
+        <a:p>
+          <a:endParaRPr lang="en-US"/>
+        </a:p>
+      </dgm:t>
+    </dgm:pt>
+    <dgm:pt modelId="{ACE8CEE0-5629-4C8C-94CE-38E420B810F7}">
+      <dgm:prSet custT="1"/>
+      <dgm:spPr/>
+      <dgm:t>
+        <a:bodyPr/>
+        <a:lstStyle/>
+        <a:p>
+          <a:r>
+            <a:rPr lang="en-US" sz="2000" b="0" i="0" dirty="0">
+              <a:latin typeface="Segoe UI" panose="020B0502040204020203" pitchFamily="34" charset="0"/>
+              <a:cs typeface="Segoe UI" panose="020B0502040204020203" pitchFamily="34" charset="0"/>
+            </a:rPr>
+            <a:t>Encapsulation</a:t>
+          </a:r>
+          <a:endParaRPr lang="en-US" sz="2000" b="0" dirty="0">
+            <a:latin typeface="Segoe UI" panose="020B0502040204020203" pitchFamily="34" charset="0"/>
+            <a:cs typeface="Segoe UI" panose="020B0502040204020203" pitchFamily="34" charset="0"/>
+          </a:endParaRPr>
+        </a:p>
+      </dgm:t>
+    </dgm:pt>
+    <dgm:pt modelId="{95502008-800D-4326-BB85-EB933F11E614}" type="parTrans" cxnId="{4CFBE3B1-5A69-441A-AD58-BA5B95339C88}">
+      <dgm:prSet/>
+      <dgm:spPr/>
+      <dgm:t>
+        <a:bodyPr/>
+        <a:lstStyle/>
+        <a:p>
+          <a:endParaRPr lang="en-US"/>
+        </a:p>
+      </dgm:t>
+    </dgm:pt>
+    <dgm:pt modelId="{D73F388C-C271-48EA-B27B-708CD7FEEE7A}" type="sibTrans" cxnId="{4CFBE3B1-5A69-441A-AD58-BA5B95339C88}">
+      <dgm:prSet/>
+      <dgm:spPr/>
+      <dgm:t>
+        <a:bodyPr/>
+        <a:lstStyle/>
+        <a:p>
+          <a:endParaRPr lang="en-US"/>
+        </a:p>
+      </dgm:t>
+    </dgm:pt>
+    <dgm:pt modelId="{DE6F066C-7364-4872-8170-4A63D8390C9D}">
+      <dgm:prSet custT="1"/>
+      <dgm:spPr/>
+      <dgm:t>
+        <a:bodyPr/>
+        <a:lstStyle/>
+        <a:p>
+          <a:r>
+            <a:rPr lang="en-US" sz="2000" b="0" i="0" dirty="0">
+              <a:latin typeface="Segoe UI" panose="020B0502040204020203" pitchFamily="34" charset="0"/>
+              <a:cs typeface="Segoe UI" panose="020B0502040204020203" pitchFamily="34" charset="0"/>
+            </a:rPr>
+            <a:t>Inheritance</a:t>
+          </a:r>
+          <a:endParaRPr lang="en-US" sz="2000" b="0" dirty="0">
+            <a:latin typeface="Segoe UI" panose="020B0502040204020203" pitchFamily="34" charset="0"/>
+            <a:cs typeface="Segoe UI" panose="020B0502040204020203" pitchFamily="34" charset="0"/>
+          </a:endParaRPr>
+        </a:p>
+      </dgm:t>
+    </dgm:pt>
+    <dgm:pt modelId="{B8E22547-556A-461F-9490-1AC0C1470C4F}" type="parTrans" cxnId="{8081567A-F4AC-4B35-A72A-E5CC98ED365A}">
+      <dgm:prSet/>
+      <dgm:spPr/>
+      <dgm:t>
+        <a:bodyPr/>
+        <a:lstStyle/>
+        <a:p>
+          <a:endParaRPr lang="en-US"/>
+        </a:p>
+      </dgm:t>
+    </dgm:pt>
+    <dgm:pt modelId="{D1AC47D3-2578-4A48-B085-88079F11570B}" type="sibTrans" cxnId="{8081567A-F4AC-4B35-A72A-E5CC98ED365A}">
+      <dgm:prSet/>
+      <dgm:spPr/>
+      <dgm:t>
+        <a:bodyPr/>
+        <a:lstStyle/>
+        <a:p>
+          <a:endParaRPr lang="en-US"/>
+        </a:p>
+      </dgm:t>
+    </dgm:pt>
+    <dgm:pt modelId="{0E3996CF-7D30-4ACC-9351-917729FFC93F}">
+      <dgm:prSet custT="1"/>
+      <dgm:spPr/>
+      <dgm:t>
+        <a:bodyPr/>
+        <a:lstStyle/>
+        <a:p>
+          <a:r>
+            <a:rPr lang="en-US" sz="2000" b="0" i="0">
+              <a:latin typeface="Segoe UI" panose="020B0502040204020203" pitchFamily="34" charset="0"/>
+              <a:cs typeface="Segoe UI" panose="020B0502040204020203" pitchFamily="34" charset="0"/>
+            </a:rPr>
+            <a:t>Polymorphism</a:t>
+          </a:r>
+          <a:endParaRPr lang="en-US" sz="2000" b="0">
+            <a:latin typeface="Segoe UI" panose="020B0502040204020203" pitchFamily="34" charset="0"/>
+            <a:cs typeface="Segoe UI" panose="020B0502040204020203" pitchFamily="34" charset="0"/>
+          </a:endParaRPr>
+        </a:p>
+      </dgm:t>
+    </dgm:pt>
+    <dgm:pt modelId="{66F0AD6B-736A-4C25-B5CE-E5872BE1B5D4}" type="parTrans" cxnId="{A2779FEF-9DAD-4987-9469-33A18F8BBE03}">
+      <dgm:prSet/>
+      <dgm:spPr/>
+      <dgm:t>
+        <a:bodyPr/>
+        <a:lstStyle/>
+        <a:p>
+          <a:endParaRPr lang="en-US"/>
+        </a:p>
+      </dgm:t>
+    </dgm:pt>
+    <dgm:pt modelId="{B438AA04-840D-40E4-B627-F600A4539FC0}" type="sibTrans" cxnId="{A2779FEF-9DAD-4987-9469-33A18F8BBE03}">
+      <dgm:prSet/>
+      <dgm:spPr/>
+      <dgm:t>
+        <a:bodyPr/>
+        <a:lstStyle/>
+        <a:p>
+          <a:endParaRPr lang="en-US"/>
+        </a:p>
+      </dgm:t>
+    </dgm:pt>
+    <dgm:pt modelId="{D902319F-995A-4B5B-93F7-2282579D41EA}">
+      <dgm:prSet custT="1"/>
+      <dgm:spPr/>
+      <dgm:t>
+        <a:bodyPr/>
+        <a:lstStyle/>
+        <a:p>
+          <a:r>
+            <a:rPr lang="en-US" sz="2000" b="0" i="0" dirty="0">
+              <a:latin typeface="Segoe UI" panose="020B0502040204020203" pitchFamily="34" charset="0"/>
+              <a:cs typeface="Segoe UI" panose="020B0502040204020203" pitchFamily="34" charset="0"/>
+            </a:rPr>
+            <a:t>Abstraction</a:t>
+          </a:r>
+          <a:endParaRPr lang="en-US" sz="2000" b="0" dirty="0">
+            <a:latin typeface="Segoe UI" panose="020B0502040204020203" pitchFamily="34" charset="0"/>
+            <a:cs typeface="Segoe UI" panose="020B0502040204020203" pitchFamily="34" charset="0"/>
+          </a:endParaRPr>
+        </a:p>
+      </dgm:t>
+    </dgm:pt>
+    <dgm:pt modelId="{B1B349BB-8696-4CF9-8A3C-12ADDBCC913A}" type="parTrans" cxnId="{6269AB21-5290-49E1-8EF0-188AB7D1784D}">
+      <dgm:prSet/>
+      <dgm:spPr/>
+      <dgm:t>
+        <a:bodyPr/>
+        <a:lstStyle/>
+        <a:p>
+          <a:endParaRPr lang="en-US"/>
+        </a:p>
+      </dgm:t>
+    </dgm:pt>
+    <dgm:pt modelId="{F117EE98-2B5E-4287-A7C3-D676682497CB}" type="sibTrans" cxnId="{6269AB21-5290-49E1-8EF0-188AB7D1784D}">
+      <dgm:prSet/>
+      <dgm:spPr/>
+      <dgm:t>
+        <a:bodyPr/>
+        <a:lstStyle/>
+        <a:p>
+          <a:endParaRPr lang="en-US"/>
+        </a:p>
+      </dgm:t>
+    </dgm:pt>
+    <dgm:pt modelId="{C06DFA6E-6FD9-490D-8FD0-4AFFF5A2882D}" type="pres">
+      <dgm:prSet presAssocID="{ADCDC656-8D56-4655-B0E3-608A272FC92D}" presName="matrix" presStyleCnt="0">
+        <dgm:presLayoutVars>
+          <dgm:chMax val="1"/>
+          <dgm:dir/>
+          <dgm:resizeHandles val="exact"/>
+        </dgm:presLayoutVars>
+      </dgm:prSet>
+      <dgm:spPr/>
+    </dgm:pt>
+    <dgm:pt modelId="{D80C0FC3-02A5-4985-9DFD-871C9EA6993C}" type="pres">
+      <dgm:prSet presAssocID="{ADCDC656-8D56-4655-B0E3-608A272FC92D}" presName="axisShape" presStyleLbl="bgShp" presStyleIdx="0" presStyleCnt="1"/>
+      <dgm:spPr/>
+    </dgm:pt>
+    <dgm:pt modelId="{60B2F041-7E14-42D6-98C8-241614AE366A}" type="pres">
+      <dgm:prSet presAssocID="{ADCDC656-8D56-4655-B0E3-608A272FC92D}" presName="rect1" presStyleLbl="node1" presStyleIdx="0" presStyleCnt="4">
+        <dgm:presLayoutVars>
+          <dgm:chMax val="0"/>
+          <dgm:chPref val="0"/>
+          <dgm:bulletEnabled val="1"/>
+        </dgm:presLayoutVars>
+      </dgm:prSet>
+      <dgm:spPr/>
+    </dgm:pt>
+    <dgm:pt modelId="{6E314E89-9037-4855-9F80-422A81993292}" type="pres">
+      <dgm:prSet presAssocID="{ADCDC656-8D56-4655-B0E3-608A272FC92D}" presName="rect2" presStyleLbl="node1" presStyleIdx="1" presStyleCnt="4">
+        <dgm:presLayoutVars>
+          <dgm:chMax val="0"/>
+          <dgm:chPref val="0"/>
+          <dgm:bulletEnabled val="1"/>
+        </dgm:presLayoutVars>
+      </dgm:prSet>
+      <dgm:spPr/>
+    </dgm:pt>
+    <dgm:pt modelId="{C7C1D3C7-670C-4849-B005-AAB395C476A3}" type="pres">
+      <dgm:prSet presAssocID="{ADCDC656-8D56-4655-B0E3-608A272FC92D}" presName="rect3" presStyleLbl="node1" presStyleIdx="2" presStyleCnt="4">
+        <dgm:presLayoutVars>
+          <dgm:chMax val="0"/>
+          <dgm:chPref val="0"/>
+          <dgm:bulletEnabled val="1"/>
+        </dgm:presLayoutVars>
+      </dgm:prSet>
+      <dgm:spPr/>
+    </dgm:pt>
+    <dgm:pt modelId="{4E32612B-4F09-4CD4-A7AA-E03CD06DADBB}" type="pres">
+      <dgm:prSet presAssocID="{ADCDC656-8D56-4655-B0E3-608A272FC92D}" presName="rect4" presStyleLbl="node1" presStyleIdx="3" presStyleCnt="4">
+        <dgm:presLayoutVars>
+          <dgm:chMax val="0"/>
+          <dgm:chPref val="0"/>
+          <dgm:bulletEnabled val="1"/>
+        </dgm:presLayoutVars>
+      </dgm:prSet>
+      <dgm:spPr/>
+    </dgm:pt>
+  </dgm:ptLst>
+  <dgm:cxnLst>
+    <dgm:cxn modelId="{6269AB21-5290-49E1-8EF0-188AB7D1784D}" srcId="{ADCDC656-8D56-4655-B0E3-608A272FC92D}" destId="{D902319F-995A-4B5B-93F7-2282579D41EA}" srcOrd="3" destOrd="0" parTransId="{B1B349BB-8696-4CF9-8A3C-12ADDBCC913A}" sibTransId="{F117EE98-2B5E-4287-A7C3-D676682497CB}"/>
+    <dgm:cxn modelId="{21455A3B-F9A8-46AA-9BAD-A574052902EB}" type="presOf" srcId="{ACE8CEE0-5629-4C8C-94CE-38E420B810F7}" destId="{60B2F041-7E14-42D6-98C8-241614AE366A}" srcOrd="0" destOrd="0" presId="urn:microsoft.com/office/officeart/2005/8/layout/matrix2"/>
+    <dgm:cxn modelId="{91694F69-E01C-4F6C-AFD6-083518EA04C2}" type="presOf" srcId="{0E3996CF-7D30-4ACC-9351-917729FFC93F}" destId="{C7C1D3C7-670C-4849-B005-AAB395C476A3}" srcOrd="0" destOrd="0" presId="urn:microsoft.com/office/officeart/2005/8/layout/matrix2"/>
+    <dgm:cxn modelId="{8081567A-F4AC-4B35-A72A-E5CC98ED365A}" srcId="{ADCDC656-8D56-4655-B0E3-608A272FC92D}" destId="{DE6F066C-7364-4872-8170-4A63D8390C9D}" srcOrd="1" destOrd="0" parTransId="{B8E22547-556A-461F-9490-1AC0C1470C4F}" sibTransId="{D1AC47D3-2578-4A48-B085-88079F11570B}"/>
+    <dgm:cxn modelId="{42DBA181-E979-4937-8133-D3B480105FB5}" type="presOf" srcId="{ADCDC656-8D56-4655-B0E3-608A272FC92D}" destId="{C06DFA6E-6FD9-490D-8FD0-4AFFF5A2882D}" srcOrd="0" destOrd="0" presId="urn:microsoft.com/office/officeart/2005/8/layout/matrix2"/>
+    <dgm:cxn modelId="{1EC3358F-2C5C-4193-B77C-B9FF2FD854C4}" type="presOf" srcId="{DE6F066C-7364-4872-8170-4A63D8390C9D}" destId="{6E314E89-9037-4855-9F80-422A81993292}" srcOrd="0" destOrd="0" presId="urn:microsoft.com/office/officeart/2005/8/layout/matrix2"/>
+    <dgm:cxn modelId="{E276E69A-BA0C-4B30-A16E-4B8CE1237681}" type="presOf" srcId="{D902319F-995A-4B5B-93F7-2282579D41EA}" destId="{4E32612B-4F09-4CD4-A7AA-E03CD06DADBB}" srcOrd="0" destOrd="0" presId="urn:microsoft.com/office/officeart/2005/8/layout/matrix2"/>
+    <dgm:cxn modelId="{4CFBE3B1-5A69-441A-AD58-BA5B95339C88}" srcId="{ADCDC656-8D56-4655-B0E3-608A272FC92D}" destId="{ACE8CEE0-5629-4C8C-94CE-38E420B810F7}" srcOrd="0" destOrd="0" parTransId="{95502008-800D-4326-BB85-EB933F11E614}" sibTransId="{D73F388C-C271-48EA-B27B-708CD7FEEE7A}"/>
+    <dgm:cxn modelId="{A2779FEF-9DAD-4987-9469-33A18F8BBE03}" srcId="{ADCDC656-8D56-4655-B0E3-608A272FC92D}" destId="{0E3996CF-7D30-4ACC-9351-917729FFC93F}" srcOrd="2" destOrd="0" parTransId="{66F0AD6B-736A-4C25-B5CE-E5872BE1B5D4}" sibTransId="{B438AA04-840D-40E4-B627-F600A4539FC0}"/>
+    <dgm:cxn modelId="{CB161438-2FBF-498E-B058-B0D0C654E84C}" type="presParOf" srcId="{C06DFA6E-6FD9-490D-8FD0-4AFFF5A2882D}" destId="{D80C0FC3-02A5-4985-9DFD-871C9EA6993C}" srcOrd="0" destOrd="0" presId="urn:microsoft.com/office/officeart/2005/8/layout/matrix2"/>
+    <dgm:cxn modelId="{D2E74FC1-7E9B-4BD2-8856-06038A631CF1}" type="presParOf" srcId="{C06DFA6E-6FD9-490D-8FD0-4AFFF5A2882D}" destId="{60B2F041-7E14-42D6-98C8-241614AE366A}" srcOrd="1" destOrd="0" presId="urn:microsoft.com/office/officeart/2005/8/layout/matrix2"/>
+    <dgm:cxn modelId="{7938799D-CAF7-4705-8723-A0E68588B943}" type="presParOf" srcId="{C06DFA6E-6FD9-490D-8FD0-4AFFF5A2882D}" destId="{6E314E89-9037-4855-9F80-422A81993292}" srcOrd="2" destOrd="0" presId="urn:microsoft.com/office/officeart/2005/8/layout/matrix2"/>
+    <dgm:cxn modelId="{39D7B896-D2E2-404D-A10D-03B38843BE28}" type="presParOf" srcId="{C06DFA6E-6FD9-490D-8FD0-4AFFF5A2882D}" destId="{C7C1D3C7-670C-4849-B005-AAB395C476A3}" srcOrd="3" destOrd="0" presId="urn:microsoft.com/office/officeart/2005/8/layout/matrix2"/>
+    <dgm:cxn modelId="{8CF8B607-E1BB-420B-8730-27B8D2E81906}" type="presParOf" srcId="{C06DFA6E-6FD9-490D-8FD0-4AFFF5A2882D}" destId="{4E32612B-4F09-4CD4-A7AA-E03CD06DADBB}" srcOrd="4" destOrd="0" presId="urn:microsoft.com/office/officeart/2005/8/layout/matrix2"/>
+  </dgm:cxnLst>
+  <dgm:bg/>
+  <dgm:whole/>
+  <dgm:extLst>
+    <a:ext uri="http://schemas.microsoft.com/office/drawing/2008/diagram">
+      <dsp:dataModelExt xmlns:dsp="http://schemas.microsoft.com/office/drawing/2008/diagram" relId="rId6" minVer="http://schemas.openxmlformats.org/drawingml/2006/diagram"/>
+    </a:ext>
+  </dgm:extLst>
+</dgm:dataModel>
+</file>
+
+<file path=ppt/diagrams/drawing1.xml><?xml version="1.0" encoding="utf-8"?>
+<dsp:drawing xmlns:dgm="http://schemas.openxmlformats.org/drawingml/2006/diagram" xmlns:dsp="http://schemas.microsoft.com/office/drawing/2008/diagram" xmlns:a="http://schemas.openxmlformats.org/drawingml/2006/main">
+  <dsp:spTree>
+    <dsp:nvGrpSpPr>
+      <dsp:cNvPr id="0" name=""/>
+      <dsp:cNvGrpSpPr/>
+    </dsp:nvGrpSpPr>
+    <dsp:grpSpPr/>
+    <dsp:sp modelId="{D80C0FC3-02A5-4985-9DFD-871C9EA6993C}">
+      <dsp:nvSpPr>
+        <dsp:cNvPr id="0" name=""/>
+        <dsp:cNvSpPr/>
+      </dsp:nvSpPr>
+      <dsp:spPr>
+        <a:xfrm>
+          <a:off x="6520029" y="0"/>
+          <a:ext cx="5313680" cy="5313680"/>
+        </a:xfrm>
+        <a:prstGeom prst="quadArrow">
+          <a:avLst>
+            <a:gd name="adj1" fmla="val 2000"/>
+            <a:gd name="adj2" fmla="val 4000"/>
+            <a:gd name="adj3" fmla="val 5000"/>
+          </a:avLst>
+        </a:prstGeom>
+        <a:solidFill>
+          <a:schemeClr val="accent2">
+            <a:tint val="40000"/>
+            <a:hueOff val="0"/>
+            <a:satOff val="0"/>
+            <a:lumOff val="0"/>
+            <a:alphaOff val="0"/>
+          </a:schemeClr>
+        </a:solidFill>
+        <a:ln>
+          <a:noFill/>
+        </a:ln>
+        <a:effectLst/>
+      </dsp:spPr>
+      <dsp:style>
+        <a:lnRef idx="0">
+          <a:scrgbClr r="0" g="0" b="0"/>
+        </a:lnRef>
+        <a:fillRef idx="1">
+          <a:scrgbClr r="0" g="0" b="0"/>
+        </a:fillRef>
+        <a:effectRef idx="2">
+          <a:scrgbClr r="0" g="0" b="0"/>
+        </a:effectRef>
+        <a:fontRef idx="minor"/>
+      </dsp:style>
+    </dsp:sp>
+    <dsp:sp modelId="{60B2F041-7E14-42D6-98C8-241614AE366A}">
+      <dsp:nvSpPr>
+        <dsp:cNvPr id="0" name=""/>
+        <dsp:cNvSpPr/>
+      </dsp:nvSpPr>
+      <dsp:spPr>
+        <a:xfrm>
+          <a:off x="6865418" y="345389"/>
+          <a:ext cx="2125472" cy="2125472"/>
+        </a:xfrm>
+        <a:prstGeom prst="roundRect">
+          <a:avLst/>
+        </a:prstGeom>
+        <a:gradFill rotWithShape="0">
+          <a:gsLst>
+            <a:gs pos="0">
+              <a:schemeClr val="accent2">
+                <a:hueOff val="0"/>
+                <a:satOff val="0"/>
+                <a:lumOff val="0"/>
+                <a:alphaOff val="0"/>
+                <a:satMod val="103000"/>
+                <a:lumMod val="102000"/>
+                <a:tint val="94000"/>
+              </a:schemeClr>
+            </a:gs>
+            <a:gs pos="50000">
+              <a:schemeClr val="accent2">
+                <a:hueOff val="0"/>
+                <a:satOff val="0"/>
+                <a:lumOff val="0"/>
+                <a:alphaOff val="0"/>
+                <a:satMod val="110000"/>
+                <a:lumMod val="100000"/>
+                <a:shade val="100000"/>
+              </a:schemeClr>
+            </a:gs>
+            <a:gs pos="100000">
+              <a:schemeClr val="accent2">
+                <a:hueOff val="0"/>
+                <a:satOff val="0"/>
+                <a:lumOff val="0"/>
+                <a:alphaOff val="0"/>
+                <a:lumMod val="99000"/>
+                <a:satMod val="120000"/>
+                <a:shade val="78000"/>
+              </a:schemeClr>
+            </a:gs>
+          </a:gsLst>
+          <a:lin ang="5400000" scaled="0"/>
+        </a:gradFill>
+        <a:ln>
+          <a:noFill/>
+        </a:ln>
+        <a:effectLst>
+          <a:outerShdw blurRad="57150" dist="19050" dir="5400000" algn="ctr" rotWithShape="0">
+            <a:srgbClr val="000000">
+              <a:alpha val="63000"/>
+            </a:srgbClr>
+          </a:outerShdw>
+        </a:effectLst>
+      </dsp:spPr>
+      <dsp:style>
+        <a:lnRef idx="0">
+          <a:scrgbClr r="0" g="0" b="0"/>
+        </a:lnRef>
+        <a:fillRef idx="3">
+          <a:scrgbClr r="0" g="0" b="0"/>
+        </a:fillRef>
+        <a:effectRef idx="3">
+          <a:scrgbClr r="0" g="0" b="0"/>
+        </a:effectRef>
+        <a:fontRef idx="minor">
+          <a:schemeClr val="lt1"/>
+        </a:fontRef>
+      </dsp:style>
+      <dsp:txBody>
+        <a:bodyPr spcFirstLastPara="0" vert="horz" wrap="square" lIns="76200" tIns="76200" rIns="76200" bIns="76200" numCol="1" spcCol="1270" anchor="ctr" anchorCtr="0">
+          <a:noAutofit/>
+        </a:bodyPr>
+        <a:lstStyle/>
+        <a:p>
+          <a:pPr marL="0" lvl="0" indent="0" algn="ctr" defTabSz="889000">
+            <a:lnSpc>
+              <a:spcPct val="90000"/>
+            </a:lnSpc>
+            <a:spcBef>
+              <a:spcPct val="0"/>
+            </a:spcBef>
+            <a:spcAft>
+              <a:spcPct val="35000"/>
+            </a:spcAft>
+            <a:buNone/>
+          </a:pPr>
+          <a:r>
+            <a:rPr lang="en-US" sz="2000" b="0" i="0" kern="1200" dirty="0">
+              <a:latin typeface="Segoe UI" panose="020B0502040204020203" pitchFamily="34" charset="0"/>
+              <a:cs typeface="Segoe UI" panose="020B0502040204020203" pitchFamily="34" charset="0"/>
+            </a:rPr>
+            <a:t>Encapsulation</a:t>
+          </a:r>
+          <a:endParaRPr lang="en-US" sz="2000" b="0" kern="1200" dirty="0">
+            <a:latin typeface="Segoe UI" panose="020B0502040204020203" pitchFamily="34" charset="0"/>
+            <a:cs typeface="Segoe UI" panose="020B0502040204020203" pitchFamily="34" charset="0"/>
+          </a:endParaRPr>
+        </a:p>
+      </dsp:txBody>
+      <dsp:txXfrm>
+        <a:off x="6969175" y="449146"/>
+        <a:ext cx="1917958" cy="1917958"/>
+      </dsp:txXfrm>
+    </dsp:sp>
+    <dsp:sp modelId="{6E314E89-9037-4855-9F80-422A81993292}">
+      <dsp:nvSpPr>
+        <dsp:cNvPr id="0" name=""/>
+        <dsp:cNvSpPr/>
+      </dsp:nvSpPr>
+      <dsp:spPr>
+        <a:xfrm>
+          <a:off x="9362847" y="345389"/>
+          <a:ext cx="2125472" cy="2125472"/>
+        </a:xfrm>
+        <a:prstGeom prst="roundRect">
+          <a:avLst/>
+        </a:prstGeom>
+        <a:gradFill rotWithShape="0">
+          <a:gsLst>
+            <a:gs pos="0">
+              <a:schemeClr val="accent2">
+                <a:hueOff val="-485121"/>
+                <a:satOff val="-27976"/>
+                <a:lumOff val="2876"/>
+                <a:alphaOff val="0"/>
+                <a:satMod val="103000"/>
+                <a:lumMod val="102000"/>
+                <a:tint val="94000"/>
+              </a:schemeClr>
+            </a:gs>
+            <a:gs pos="50000">
+              <a:schemeClr val="accent2">
+                <a:hueOff val="-485121"/>
+                <a:satOff val="-27976"/>
+                <a:lumOff val="2876"/>
+                <a:alphaOff val="0"/>
+                <a:satMod val="110000"/>
+                <a:lumMod val="100000"/>
+                <a:shade val="100000"/>
+              </a:schemeClr>
+            </a:gs>
+            <a:gs pos="100000">
+              <a:schemeClr val="accent2">
+                <a:hueOff val="-485121"/>
+                <a:satOff val="-27976"/>
+                <a:lumOff val="2876"/>
+                <a:alphaOff val="0"/>
+                <a:lumMod val="99000"/>
+                <a:satMod val="120000"/>
+                <a:shade val="78000"/>
+              </a:schemeClr>
+            </a:gs>
+          </a:gsLst>
+          <a:lin ang="5400000" scaled="0"/>
+        </a:gradFill>
+        <a:ln>
+          <a:noFill/>
+        </a:ln>
+        <a:effectLst>
+          <a:outerShdw blurRad="57150" dist="19050" dir="5400000" algn="ctr" rotWithShape="0">
+            <a:srgbClr val="000000">
+              <a:alpha val="63000"/>
+            </a:srgbClr>
+          </a:outerShdw>
+        </a:effectLst>
+      </dsp:spPr>
+      <dsp:style>
+        <a:lnRef idx="0">
+          <a:scrgbClr r="0" g="0" b="0"/>
+        </a:lnRef>
+        <a:fillRef idx="3">
+          <a:scrgbClr r="0" g="0" b="0"/>
+        </a:fillRef>
+        <a:effectRef idx="3">
+          <a:scrgbClr r="0" g="0" b="0"/>
+        </a:effectRef>
+        <a:fontRef idx="minor">
+          <a:schemeClr val="lt1"/>
+        </a:fontRef>
+      </dsp:style>
+      <dsp:txBody>
+        <a:bodyPr spcFirstLastPara="0" vert="horz" wrap="square" lIns="76200" tIns="76200" rIns="76200" bIns="76200" numCol="1" spcCol="1270" anchor="ctr" anchorCtr="0">
+          <a:noAutofit/>
+        </a:bodyPr>
+        <a:lstStyle/>
+        <a:p>
+          <a:pPr marL="0" lvl="0" indent="0" algn="ctr" defTabSz="889000">
+            <a:lnSpc>
+              <a:spcPct val="90000"/>
+            </a:lnSpc>
+            <a:spcBef>
+              <a:spcPct val="0"/>
+            </a:spcBef>
+            <a:spcAft>
+              <a:spcPct val="35000"/>
+            </a:spcAft>
+            <a:buNone/>
+          </a:pPr>
+          <a:r>
+            <a:rPr lang="en-US" sz="2000" b="0" i="0" kern="1200" dirty="0">
+              <a:latin typeface="Segoe UI" panose="020B0502040204020203" pitchFamily="34" charset="0"/>
+              <a:cs typeface="Segoe UI" panose="020B0502040204020203" pitchFamily="34" charset="0"/>
+            </a:rPr>
+            <a:t>Inheritance</a:t>
+          </a:r>
+          <a:endParaRPr lang="en-US" sz="2000" b="0" kern="1200" dirty="0">
+            <a:latin typeface="Segoe UI" panose="020B0502040204020203" pitchFamily="34" charset="0"/>
+            <a:cs typeface="Segoe UI" panose="020B0502040204020203" pitchFamily="34" charset="0"/>
+          </a:endParaRPr>
+        </a:p>
+      </dsp:txBody>
+      <dsp:txXfrm>
+        <a:off x="9466604" y="449146"/>
+        <a:ext cx="1917958" cy="1917958"/>
+      </dsp:txXfrm>
+    </dsp:sp>
+    <dsp:sp modelId="{C7C1D3C7-670C-4849-B005-AAB395C476A3}">
+      <dsp:nvSpPr>
+        <dsp:cNvPr id="0" name=""/>
+        <dsp:cNvSpPr/>
+      </dsp:nvSpPr>
+      <dsp:spPr>
+        <a:xfrm>
+          <a:off x="6865418" y="2842818"/>
+          <a:ext cx="2125472" cy="2125472"/>
+        </a:xfrm>
+        <a:prstGeom prst="roundRect">
+          <a:avLst/>
+        </a:prstGeom>
+        <a:gradFill rotWithShape="0">
+          <a:gsLst>
+            <a:gs pos="0">
+              <a:schemeClr val="accent2">
+                <a:hueOff val="-970242"/>
+                <a:satOff val="-55952"/>
+                <a:lumOff val="5752"/>
+                <a:alphaOff val="0"/>
+                <a:satMod val="103000"/>
+                <a:lumMod val="102000"/>
+                <a:tint val="94000"/>
+              </a:schemeClr>
+            </a:gs>
+            <a:gs pos="50000">
+              <a:schemeClr val="accent2">
+                <a:hueOff val="-970242"/>
+                <a:satOff val="-55952"/>
+                <a:lumOff val="5752"/>
+                <a:alphaOff val="0"/>
+                <a:satMod val="110000"/>
+                <a:lumMod val="100000"/>
+                <a:shade val="100000"/>
+              </a:schemeClr>
+            </a:gs>
+            <a:gs pos="100000">
+              <a:schemeClr val="accent2">
+                <a:hueOff val="-970242"/>
+                <a:satOff val="-55952"/>
+                <a:lumOff val="5752"/>
+                <a:alphaOff val="0"/>
+                <a:lumMod val="99000"/>
+                <a:satMod val="120000"/>
+                <a:shade val="78000"/>
+              </a:schemeClr>
+            </a:gs>
+          </a:gsLst>
+          <a:lin ang="5400000" scaled="0"/>
+        </a:gradFill>
+        <a:ln>
+          <a:noFill/>
+        </a:ln>
+        <a:effectLst>
+          <a:outerShdw blurRad="57150" dist="19050" dir="5400000" algn="ctr" rotWithShape="0">
+            <a:srgbClr val="000000">
+              <a:alpha val="63000"/>
+            </a:srgbClr>
+          </a:outerShdw>
+        </a:effectLst>
+      </dsp:spPr>
+      <dsp:style>
+        <a:lnRef idx="0">
+          <a:scrgbClr r="0" g="0" b="0"/>
+        </a:lnRef>
+        <a:fillRef idx="3">
+          <a:scrgbClr r="0" g="0" b="0"/>
+        </a:fillRef>
+        <a:effectRef idx="3">
+          <a:scrgbClr r="0" g="0" b="0"/>
+        </a:effectRef>
+        <a:fontRef idx="minor">
+          <a:schemeClr val="lt1"/>
+        </a:fontRef>
+      </dsp:style>
+      <dsp:txBody>
+        <a:bodyPr spcFirstLastPara="0" vert="horz" wrap="square" lIns="76200" tIns="76200" rIns="76200" bIns="76200" numCol="1" spcCol="1270" anchor="ctr" anchorCtr="0">
+          <a:noAutofit/>
+        </a:bodyPr>
+        <a:lstStyle/>
+        <a:p>
+          <a:pPr marL="0" lvl="0" indent="0" algn="ctr" defTabSz="889000">
+            <a:lnSpc>
+              <a:spcPct val="90000"/>
+            </a:lnSpc>
+            <a:spcBef>
+              <a:spcPct val="0"/>
+            </a:spcBef>
+            <a:spcAft>
+              <a:spcPct val="35000"/>
+            </a:spcAft>
+            <a:buNone/>
+          </a:pPr>
+          <a:r>
+            <a:rPr lang="en-US" sz="2000" b="0" i="0" kern="1200">
+              <a:latin typeface="Segoe UI" panose="020B0502040204020203" pitchFamily="34" charset="0"/>
+              <a:cs typeface="Segoe UI" panose="020B0502040204020203" pitchFamily="34" charset="0"/>
+            </a:rPr>
+            <a:t>Polymorphism</a:t>
+          </a:r>
+          <a:endParaRPr lang="en-US" sz="2000" b="0" kern="1200">
+            <a:latin typeface="Segoe UI" panose="020B0502040204020203" pitchFamily="34" charset="0"/>
+            <a:cs typeface="Segoe UI" panose="020B0502040204020203" pitchFamily="34" charset="0"/>
+          </a:endParaRPr>
+        </a:p>
+      </dsp:txBody>
+      <dsp:txXfrm>
+        <a:off x="6969175" y="2946575"/>
+        <a:ext cx="1917958" cy="1917958"/>
+      </dsp:txXfrm>
+    </dsp:sp>
+    <dsp:sp modelId="{4E32612B-4F09-4CD4-A7AA-E03CD06DADBB}">
+      <dsp:nvSpPr>
+        <dsp:cNvPr id="0" name=""/>
+        <dsp:cNvSpPr/>
+      </dsp:nvSpPr>
+      <dsp:spPr>
+        <a:xfrm>
+          <a:off x="9362847" y="2842818"/>
+          <a:ext cx="2125472" cy="2125472"/>
+        </a:xfrm>
+        <a:prstGeom prst="roundRect">
+          <a:avLst/>
+        </a:prstGeom>
+        <a:gradFill rotWithShape="0">
+          <a:gsLst>
+            <a:gs pos="0">
+              <a:schemeClr val="accent2">
+                <a:hueOff val="-1455363"/>
+                <a:satOff val="-83928"/>
+                <a:lumOff val="8628"/>
+                <a:alphaOff val="0"/>
+                <a:satMod val="103000"/>
+                <a:lumMod val="102000"/>
+                <a:tint val="94000"/>
+              </a:schemeClr>
+            </a:gs>
+            <a:gs pos="50000">
+              <a:schemeClr val="accent2">
+                <a:hueOff val="-1455363"/>
+                <a:satOff val="-83928"/>
+                <a:lumOff val="8628"/>
+                <a:alphaOff val="0"/>
+                <a:satMod val="110000"/>
+                <a:lumMod val="100000"/>
+                <a:shade val="100000"/>
+              </a:schemeClr>
+            </a:gs>
+            <a:gs pos="100000">
+              <a:schemeClr val="accent2">
+                <a:hueOff val="-1455363"/>
+                <a:satOff val="-83928"/>
+                <a:lumOff val="8628"/>
+                <a:alphaOff val="0"/>
+                <a:lumMod val="99000"/>
+                <a:satMod val="120000"/>
+                <a:shade val="78000"/>
+              </a:schemeClr>
+            </a:gs>
+          </a:gsLst>
+          <a:lin ang="5400000" scaled="0"/>
+        </a:gradFill>
+        <a:ln>
+          <a:noFill/>
+        </a:ln>
+        <a:effectLst>
+          <a:outerShdw blurRad="57150" dist="19050" dir="5400000" algn="ctr" rotWithShape="0">
+            <a:srgbClr val="000000">
+              <a:alpha val="63000"/>
+            </a:srgbClr>
+          </a:outerShdw>
+        </a:effectLst>
+      </dsp:spPr>
+      <dsp:style>
+        <a:lnRef idx="0">
+          <a:scrgbClr r="0" g="0" b="0"/>
+        </a:lnRef>
+        <a:fillRef idx="3">
+          <a:scrgbClr r="0" g="0" b="0"/>
+        </a:fillRef>
+        <a:effectRef idx="3">
+          <a:scrgbClr r="0" g="0" b="0"/>
+        </a:effectRef>
+        <a:fontRef idx="minor">
+          <a:schemeClr val="lt1"/>
+        </a:fontRef>
+      </dsp:style>
+      <dsp:txBody>
+        <a:bodyPr spcFirstLastPara="0" vert="horz" wrap="square" lIns="76200" tIns="76200" rIns="76200" bIns="76200" numCol="1" spcCol="1270" anchor="ctr" anchorCtr="0">
+          <a:noAutofit/>
+        </a:bodyPr>
+        <a:lstStyle/>
+        <a:p>
+          <a:pPr marL="0" lvl="0" indent="0" algn="ctr" defTabSz="889000">
+            <a:lnSpc>
+              <a:spcPct val="90000"/>
+            </a:lnSpc>
+            <a:spcBef>
+              <a:spcPct val="0"/>
+            </a:spcBef>
+            <a:spcAft>
+              <a:spcPct val="35000"/>
+            </a:spcAft>
+            <a:buNone/>
+          </a:pPr>
+          <a:r>
+            <a:rPr lang="en-US" sz="2000" b="0" i="0" kern="1200" dirty="0">
+              <a:latin typeface="Segoe UI" panose="020B0502040204020203" pitchFamily="34" charset="0"/>
+              <a:cs typeface="Segoe UI" panose="020B0502040204020203" pitchFamily="34" charset="0"/>
+            </a:rPr>
+            <a:t>Abstraction</a:t>
+          </a:r>
+          <a:endParaRPr lang="en-US" sz="2000" b="0" kern="1200" dirty="0">
+            <a:latin typeface="Segoe UI" panose="020B0502040204020203" pitchFamily="34" charset="0"/>
+            <a:cs typeface="Segoe UI" panose="020B0502040204020203" pitchFamily="34" charset="0"/>
+          </a:endParaRPr>
+        </a:p>
+      </dsp:txBody>
+      <dsp:txXfrm>
+        <a:off x="9466604" y="2946575"/>
+        <a:ext cx="1917958" cy="1917958"/>
+      </dsp:txXfrm>
+    </dsp:sp>
+  </dsp:spTree>
+</dsp:drawing>
+</file>
+
+<file path=ppt/diagrams/layout1.xml><?xml version="1.0" encoding="utf-8"?>
+<dgm:layoutDef xmlns:dgm="http://schemas.openxmlformats.org/drawingml/2006/diagram" xmlns:a="http://schemas.openxmlformats.org/drawingml/2006/main" uniqueId="urn:microsoft.com/office/officeart/2005/8/layout/matrix2">
+  <dgm:title val=""/>
+  <dgm:desc val=""/>
+  <dgm:catLst>
+    <dgm:cat type="matrix" pri="3000"/>
+  </dgm:catLst>
+  <dgm:sampData>
+    <dgm:dataModel>
+      <dgm:ptLst>
+        <dgm:pt modelId="0" type="doc"/>
+        <dgm:pt modelId="1">
+          <dgm:prSet phldr="1"/>
+        </dgm:pt>
+        <dgm:pt modelId="2">
+          <dgm:prSet phldr="1"/>
+        </dgm:pt>
+        <dgm:pt modelId="3">
+          <dgm:prSet phldr="1"/>
+        </dgm:pt>
+        <dgm:pt modelId="4">
+          <dgm:prSet phldr="1"/>
+        </dgm:pt>
+      </dgm:ptLst>
+      <dgm:cxnLst>
+        <dgm:cxn modelId="5" srcId="0" destId="1" srcOrd="0" destOrd="0"/>
+        <dgm:cxn modelId="6" srcId="0" destId="2" srcOrd="1" destOrd="0"/>
+        <dgm:cxn modelId="7" srcId="0" destId="3" srcOrd="0" destOrd="0"/>
+        <dgm:cxn modelId="8" srcId="0" destId="4" srcOrd="1" destOrd="0"/>
+      </dgm:cxnLst>
+      <dgm:bg/>
+      <dgm:whole/>
+    </dgm:dataModel>
+  </dgm:sampData>
+  <dgm:styleData useDef="1">
+    <dgm:dataModel>
+      <dgm:ptLst/>
+      <dgm:bg/>
+      <dgm:whole/>
+    </dgm:dataModel>
+  </dgm:styleData>
+  <dgm:clrData useDef="1">
+    <dgm:dataModel>
+      <dgm:ptLst/>
+      <dgm:bg/>
+      <dgm:whole/>
+    </dgm:dataModel>
+  </dgm:clrData>
+  <dgm:layoutNode name="matrix">
+    <dgm:varLst>
+      <dgm:chMax val="1"/>
+      <dgm:dir/>
+      <dgm:resizeHandles val="exact"/>
+    </dgm:varLst>
+    <dgm:alg type="composite">
+      <dgm:param type="ar" val="1"/>
+    </dgm:alg>
+    <dgm:shape xmlns:r="http://schemas.openxmlformats.org/officeDocument/2006/relationships" r:blip="">
+      <dgm:adjLst/>
+    </dgm:shape>
+    <dgm:presOf/>
+    <dgm:choose name="Name0">
+      <dgm:if name="Name1" func="var" arg="dir" op="equ" val="norm">
+        <dgm:constrLst>
+          <dgm:constr type="primFontSz" for="ch" ptType="node" op="equ" val="65"/>
+          <dgm:constr type="w" for="ch" forName="axisShape" refType="w"/>
+          <dgm:constr type="h" for="ch" forName="axisShape" refType="h"/>
+          <dgm:constr type="w" for="ch" forName="rect1" refType="w" fact="0.4"/>
+          <dgm:constr type="h" for="ch" forName="rect1" refType="w" fact="0.4"/>
+          <dgm:constr type="l" for="ch" forName="rect1" refType="w" fact="0.065"/>
+          <dgm:constr type="t" for="ch" forName="rect1" refType="h" fact="0.065"/>
+          <dgm:constr type="w" for="ch" forName="rect2" refType="w" fact="0.4"/>
+          <dgm:constr type="h" for="ch" forName="rect2" refType="h" fact="0.4"/>
+          <dgm:constr type="r" for="ch" forName="rect2" refType="w" fact="0.935"/>
+          <dgm:constr type="t" for="ch" forName="rect2" refType="h" fact="0.065"/>
+          <dgm:constr type="w" for="ch" forName="rect3" refType="w" fact="0.4"/>
+          <dgm:constr type="h" for="ch" forName="rect3" refType="w" fact="0.4"/>
+          <dgm:constr type="l" for="ch" forName="rect3" refType="w" fact="0.065"/>
+          <dgm:constr type="b" for="ch" forName="rect3" refType="h" fact="0.935"/>
+          <dgm:constr type="w" for="ch" forName="rect4" refType="w" fact="0.4"/>
+          <dgm:constr type="h" for="ch" forName="rect4" refType="h" fact="0.4"/>
+          <dgm:constr type="r" for="ch" forName="rect4" refType="w" fact="0.935"/>
+          <dgm:constr type="b" for="ch" forName="rect4" refType="h" fact="0.935"/>
+        </dgm:constrLst>
+      </dgm:if>
+      <dgm:else name="Name2">
+        <dgm:constrLst>
+          <dgm:constr type="primFontSz" for="ch" ptType="node" op="equ" val="65"/>
+          <dgm:constr type="w" for="ch" forName="axisShape" refType="w"/>
+          <dgm:constr type="h" for="ch" forName="axisShape" refType="h"/>
+          <dgm:constr type="w" for="ch" forName="rect1" refType="w" fact="0.4"/>
+          <dgm:constr type="h" for="ch" forName="rect1" refType="w" fact="0.4"/>
+          <dgm:constr type="r" for="ch" forName="rect1" refType="w" fact="0.935"/>
+          <dgm:constr type="t" for="ch" forName="rect1" refType="h" fact="0.065"/>
+          <dgm:constr type="w" for="ch" forName="rect2" refType="w" fact="0.4"/>
+          <dgm:constr type="h" for="ch" forName="rect2" refType="h" fact="0.4"/>
+          <dgm:constr type="l" for="ch" forName="rect2" refType="w" fact="0.065"/>
+          <dgm:constr type="t" for="ch" forName="rect2" refType="h" fact="0.065"/>
+          <dgm:constr type="w" for="ch" forName="rect3" refType="w" fact="0.4"/>
+          <dgm:constr type="h" for="ch" forName="rect3" refType="w" fact="0.4"/>
+          <dgm:constr type="r" for="ch" forName="rect3" refType="w" fact="0.935"/>
+          <dgm:constr type="b" for="ch" forName="rect3" refType="h" fact="0.935"/>
+          <dgm:constr type="w" for="ch" forName="rect4" refType="w" fact="0.4"/>
+          <dgm:constr type="h" for="ch" forName="rect4" refType="h" fact="0.4"/>
+          <dgm:constr type="l" for="ch" forName="rect4" refType="w" fact="0.065"/>
+          <dgm:constr type="b" for="ch" forName="rect4" refType="h" fact="0.935"/>
+        </dgm:constrLst>
+      </dgm:else>
+    </dgm:choose>
+    <dgm:ruleLst/>
+    <dgm:choose name="Name3">
+      <dgm:if name="Name4" axis="ch" ptType="node" func="cnt" op="gte" val="1">
+        <dgm:layoutNode name="axisShape" styleLbl="bgShp">
+          <dgm:alg type="sp"/>
+          <dgm:shape xmlns:r="http://schemas.openxmlformats.org/officeDocument/2006/relationships" type="quadArrow" r:blip="">
+            <dgm:adjLst>
+              <dgm:adj idx="1" val="0.02"/>
+              <dgm:adj idx="2" val="0.04"/>
+              <dgm:adj idx="3" val="0.05"/>
+            </dgm:adjLst>
+          </dgm:shape>
+          <dgm:presOf/>
+          <dgm:constrLst/>
+          <dgm:ruleLst/>
+        </dgm:layoutNode>
+        <dgm:layoutNode name="rect1">
+          <dgm:varLst>
+            <dgm:chMax val="0"/>
+            <dgm:chPref val="0"/>
+            <dgm:bulletEnabled val="1"/>
+          </dgm:varLst>
+          <dgm:alg type="tx"/>
+          <dgm:shape xmlns:r="http://schemas.openxmlformats.org/officeDocument/2006/relationships" type="roundRect" r:blip="">
+            <dgm:adjLst/>
+          </dgm:shape>
+          <dgm:presOf axis="ch desOrSelf" ptType="node node" st="1 1" cnt="1 0"/>
+          <dgm:constrLst>
+            <dgm:constr type="tMarg" refType="primFontSz" fact="0.3"/>
+            <dgm:constr type="bMarg" refType="primFontSz" fact="0.3"/>
+            <dgm:constr type="lMarg" refType="primFontSz" fact="0.3"/>
+            <dgm:constr type="rMarg" refType="primFontSz" fact="0.3"/>
+          </dgm:constrLst>
+          <dgm:ruleLst>
+            <dgm:rule type="primFontSz" val="5" fact="NaN" max="NaN"/>
+          </dgm:ruleLst>
+        </dgm:layoutNode>
+        <dgm:layoutNode name="rect2">
+          <dgm:varLst>
+            <dgm:chMax val="0"/>
+            <dgm:chPref val="0"/>
+            <dgm:bulletEnabled val="1"/>
+          </dgm:varLst>
+          <dgm:alg type="tx"/>
+          <dgm:shape xmlns:r="http://schemas.openxmlformats.org/officeDocument/2006/relationships" type="roundRect" r:blip="">
+            <dgm:adjLst/>
+          </dgm:shape>
+          <dgm:presOf axis="ch desOrSelf" ptType="node node" st="2 1" cnt="1 0"/>
+          <dgm:constrLst>
+            <dgm:constr type="tMarg" refType="primFontSz" fact="0.3"/>
+            <dgm:constr type="bMarg" refType="primFontSz" fact="0.3"/>
+            <dgm:constr type="lMarg" refType="primFontSz" fact="0.3"/>
+            <dgm:constr type="rMarg" refType="primFontSz" fact="0.3"/>
+          </dgm:constrLst>
+          <dgm:ruleLst>
+            <dgm:rule type="primFontSz" val="5" fact="NaN" max="NaN"/>
+          </dgm:ruleLst>
+        </dgm:layoutNode>
+        <dgm:layoutNode name="rect3">
+          <dgm:varLst>
+            <dgm:chMax val="0"/>
+            <dgm:chPref val="0"/>
+            <dgm:bulletEnabled val="1"/>
+          </dgm:varLst>
+          <dgm:alg type="tx"/>
+          <dgm:shape xmlns:r="http://schemas.openxmlformats.org/officeDocument/2006/relationships" type="roundRect" r:blip="">
+            <dgm:adjLst/>
+          </dgm:shape>
+          <dgm:presOf axis="ch desOrSelf" ptType="node node" st="3 1" cnt="1 0"/>
+          <dgm:constrLst>
+            <dgm:constr type="tMarg" refType="primFontSz" fact="0.3"/>
+            <dgm:constr type="bMarg" refType="primFontSz" fact="0.3"/>
+            <dgm:constr type="lMarg" refType="primFontSz" fact="0.3"/>
+            <dgm:constr type="rMarg" refType="primFontSz" fact="0.3"/>
+          </dgm:constrLst>
+          <dgm:ruleLst>
+            <dgm:rule type="primFontSz" val="5" fact="NaN" max="NaN"/>
+          </dgm:ruleLst>
+        </dgm:layoutNode>
+        <dgm:layoutNode name="rect4">
+          <dgm:varLst>
+            <dgm:chMax val="0"/>
+            <dgm:chPref val="0"/>
+            <dgm:bulletEnabled val="1"/>
+          </dgm:varLst>
+          <dgm:alg type="tx"/>
+          <dgm:shape xmlns:r="http://schemas.openxmlformats.org/officeDocument/2006/relationships" type="roundRect" r:blip="">
+            <dgm:adjLst/>
+          </dgm:shape>
+          <dgm:presOf axis="ch desOrSelf" ptType="node node" st="4 1" cnt="1 0"/>
+          <dgm:constrLst>
+            <dgm:constr type="tMarg" refType="primFontSz" fact="0.3"/>
+            <dgm:constr type="bMarg" refType="primFontSz" fact="0.3"/>
+            <dgm:constr type="lMarg" refType="primFontSz" fact="0.3"/>
+            <dgm:constr type="rMarg" refType="primFontSz" fact="0.3"/>
+          </dgm:constrLst>
+          <dgm:ruleLst>
+            <dgm:rule type="primFontSz" val="5" fact="NaN" max="NaN"/>
+          </dgm:ruleLst>
+        </dgm:layoutNode>
+      </dgm:if>
+      <dgm:else name="Name5"/>
+    </dgm:choose>
+  </dgm:layoutNode>
+</dgm:layoutDef>
+</file>
+
+<file path=ppt/diagrams/quickStyle1.xml><?xml version="1.0" encoding="utf-8"?>
+<dgm:styleDef xmlns:dgm="http://schemas.openxmlformats.org/drawingml/2006/diagram" xmlns:a="http://schemas.openxmlformats.org/drawingml/2006/main" uniqueId="urn:microsoft.com/office/officeart/2005/8/quickstyle/simple5">
+  <dgm:title val=""/>
+  <dgm:desc val=""/>
+  <dgm:catLst>
+    <dgm:cat type="simple" pri="10500"/>
+  </dgm:catLst>
+  <dgm:scene3d>
+    <a:camera prst="orthographicFront"/>
+    <a:lightRig rig="threePt" dir="t"/>
+  </dgm:scene3d>
+  <dgm:styleLbl name="node0">
+    <dgm:scene3d>
+      <a:camera prst="orthographicFront"/>
+      <a:lightRig rig="threePt" dir="t"/>
+    </dgm:scene3d>
+    <dgm:sp3d/>
+    <dgm:txPr/>
+    <dgm:style>
+      <a:lnRef idx="0">
+        <a:scrgbClr r="0" g="0" b="0"/>
+      </a:lnRef>
+      <a:fillRef idx="3">
+        <a:scrgbClr r="0" g="0" b="0"/>
+      </a:fillRef>
+      <a:effectRef idx="3">
+        <a:scrgbClr r="0" g="0" b="0"/>
+      </a:effectRef>
+      <a:fontRef idx="minor">
+        <a:schemeClr val="lt1"/>
+      </a:fontRef>
+    </dgm:style>
+  </dgm:styleLbl>
+  <dgm:styleLbl name="lnNode1">
+    <dgm:scene3d>
+      <a:camera prst="orthographicFront"/>
+      <a:lightRig rig="threePt" dir="t"/>
+    </dgm:scene3d>
+    <dgm:sp3d/>
+    <dgm:txPr/>
+    <dgm:style>
+      <a:lnRef idx="0">
+        <a:scrgbClr r="0" g="0" b="0"/>
+      </a:lnRef>
+      <a:fillRef idx="3">
+        <a:scrgbClr r="0" g="0" b="0"/>
+      </a:fillRef>
+      <a:effectRef idx="3">
+        <a:scrgbClr r="0" g="0" b="0"/>
+      </a:effectRef>
+      <a:fontRef idx="minor">
+        <a:schemeClr val="lt1"/>
+      </a:fontRef>
+    </dgm:style>
+  </dgm:styleLbl>
+  <dgm:styleLbl name="vennNode1">
+    <dgm:scene3d>
+      <a:camera prst="orthographicFront"/>
+      <a:lightRig rig="threePt" dir="t"/>
+    </dgm:scene3d>
+    <dgm:sp3d/>
+    <dgm:txPr/>
+    <dgm:style>
+      <a:lnRef idx="0">
+        <a:scrgbClr r="0" g="0" b="0"/>
+      </a:lnRef>
+      <a:fillRef idx="3">
+        <a:scrgbClr r="0" g="0" b="0"/>
+      </a:fillRef>
+      <a:effectRef idx="3">
+        <a:scrgbClr r="0" g="0" b="0"/>
+      </a:effectRef>
+      <a:fontRef idx="minor">
+        <a:schemeClr val="tx1"/>
+      </a:fontRef>
+    </dgm:style>
+  </dgm:styleLbl>
+  <dgm:styleLbl name="alignNode1">
+    <dgm:scene3d>
+      <a:camera prst="orthographicFront"/>
+      <a:lightRig rig="threePt" dir="t"/>
+    </dgm:scene3d>
+    <dgm:sp3d/>
+    <dgm:txPr/>
+    <dgm:style>
+      <a:lnRef idx="1">
+        <a:scrgbClr r="0" g="0" b="0"/>
+      </a:lnRef>
+      <a:fillRef idx="3">
+        <a:scrgbClr r="0" g="0" b="0"/>
+      </a:fillRef>
+      <a:effectRef idx="3">
+        <a:scrgbClr r="0" g="0" b="0"/>
+      </a:effectRef>
+      <a:fontRef idx="minor">
+        <a:schemeClr val="lt1"/>
+      </a:fontRef>
+    </dgm:style>
+  </dgm:styleLbl>
+  <dgm:styleLbl name="node1">
+    <dgm:scene3d>
+      <a:camera prst="orthographicFront"/>
+      <a:lightRig rig="threePt" dir="t"/>
+    </dgm:scene3d>
+    <dgm:sp3d/>
+    <dgm:txPr/>
+    <dgm:style>
+      <a:lnRef idx="0">
+        <a:scrgbClr r="0" g="0" b="0"/>
+      </a:lnRef>
+      <a:fillRef idx="3">
+        <a:scrgbClr r="0" g="0" b="0"/>
+      </a:fillRef>
+      <a:effectRef idx="3">
+        <a:scrgbClr r="0" g="0" b="0"/>
+      </a:effectRef>
+      <a:fontRef idx="minor">
+        <a:schemeClr val="lt1"/>
+      </a:fontRef>
+    </dgm:style>
+  </dgm:styleLbl>
+  <dgm:styleLbl name="node2">
+    <dgm:scene3d>
+      <a:camera prst="orthographicFront"/>
+      <a:lightRig rig="threePt" dir="t"/>
+    </dgm:scene3d>
+    <dgm:sp3d/>
+    <dgm:txPr/>
+    <dgm:style>
+      <a:lnRef idx="0">
+        <a:scrgbClr r="0" g="0" b="0"/>
+      </a:lnRef>
+      <a:fillRef idx="3">
+        <a:scrgbClr r="0" g="0" b="0"/>
+      </a:fillRef>
+      <a:effectRef idx="3">
+        <a:scrgbClr r="0" g="0" b="0"/>
+      </a:effectRef>
+      <a:fontRef idx="minor">
+        <a:schemeClr val="lt1"/>
+      </a:fontRef>
+    </dgm:style>
+  </dgm:styleLbl>
+  <dgm:styleLbl name="node3">
+    <dgm:scene3d>
+      <a:camera prst="orthographicFront"/>
+      <a:lightRig rig="threePt" dir="t"/>
+    </dgm:scene3d>
+    <dgm:sp3d/>
+    <dgm:txPr/>
+    <dgm:style>
+      <a:lnRef idx="0">
+        <a:scrgbClr r="0" g="0" b="0"/>
+      </a:lnRef>
+      <a:fillRef idx="3">
+        <a:scrgbClr r="0" g="0" b="0"/>
+      </a:fillRef>
+      <a:effectRef idx="3">
+        <a:scrgbClr r="0" g="0" b="0"/>
+      </a:effectRef>
+      <a:fontRef idx="minor">
+        <a:schemeClr val="lt1"/>
+      </a:fontRef>
+    </dgm:style>
+  </dgm:styleLbl>
+  <dgm:styleLbl name="node4">
+    <dgm:scene3d>
+      <a:camera prst="orthographicFront"/>
+      <a:lightRig rig="threePt" dir="t"/>
+    </dgm:scene3d>
+    <dgm:sp3d/>
+    <dgm:txPr/>
+    <dgm:style>
+      <a:lnRef idx="0">
+        <a:scrgbClr r="0" g="0" b="0"/>
+      </a:lnRef>
+      <a:fillRef idx="3">
+        <a:scrgbClr r="0" g="0" b="0"/>
+      </a:fillRef>
+      <a:effectRef idx="3">
+        <a:scrgbClr r="0" g="0" b="0"/>
+      </a:effectRef>
+      <a:fontRef idx="minor">
+        <a:schemeClr val="lt1"/>
+      </a:fontRef>
+    </dgm:style>
+  </dgm:styleLbl>
+  <dgm:styleLbl name="fgImgPlace1">
+    <dgm:scene3d>
+      <a:camera prst="orthographicFront"/>
+      <a:lightRig rig="threePt" dir="t"/>
+    </dgm:scene3d>
+    <dgm:sp3d/>
+    <dgm:txPr/>
+    <dgm:style>
+      <a:lnRef idx="0">
+        <a:scrgbClr r="0" g="0" b="0"/>
+      </a:lnRef>
+      <a:fillRef idx="1">
+        <a:scrgbClr r="0" g="0" b="0"/>
+      </a:fillRef>
+      <a:effectRef idx="3">
+        <a:scrgbClr r="0" g="0" b="0"/>
+      </a:effectRef>
+      <a:fontRef idx="minor"/>
+    </dgm:style>
+  </dgm:styleLbl>
+  <dgm:styleLbl name="alignImgPlace1">
+    <dgm:scene3d>
+      <a:camera prst="orthographicFront"/>
+      <a:lightRig rig="threePt" dir="t"/>
+    </dgm:scene3d>
+    <dgm:sp3d/>
+    <dgm:txPr/>
+    <dgm:style>
+      <a:lnRef idx="0">
+        <a:scrgbClr r="0" g="0" b="0"/>
+      </a:lnRef>
+      <a:fillRef idx="1">
+        <a:scrgbClr r="0" g="0" b="0"/>
+      </a:fillRef>
+      <a:effectRef idx="3">
+        <a:scrgbClr r="0" g="0" b="0"/>
+      </a:effectRef>
+      <a:fontRef idx="minor"/>
+    </dgm:style>
+  </dgm:styleLbl>
+  <dgm:styleLbl name="bgImgPlace1">
+    <dgm:scene3d>
+      <a:camera prst="orthographicFront"/>
+      <a:lightRig rig="threePt" dir="t"/>
+    </dgm:scene3d>
+    <dgm:sp3d/>
+    <dgm:txPr/>
+    <dgm:style>
+      <a:lnRef idx="0">
+        <a:scrgbClr r="0" g="0" b="0"/>
+      </a:lnRef>
+      <a:fillRef idx="1">
+        <a:scrgbClr r="0" g="0" b="0"/>
+      </a:fillRef>
+      <a:effectRef idx="3">
+        <a:scrgbClr r="0" g="0" b="0"/>
+      </a:effectRef>
+      <a:fontRef idx="minor"/>
+    </dgm:style>
+  </dgm:styleLbl>
+  <dgm:styleLbl name="sibTrans2D1">
+    <dgm:scene3d>
+      <a:camera prst="orthographicFront"/>
+      <a:lightRig rig="threePt" dir="t"/>
+    </dgm:scene3d>
+    <dgm:sp3d/>
+    <dgm:txPr/>
+    <dgm:style>
+      <a:lnRef idx="0">
+        <a:scrgbClr r="0" g="0" b="0"/>
+      </a:lnRef>
+      <a:fillRef idx="3">
+        <a:scrgbClr r="0" g="0" b="0"/>
+      </a:fillRef>
+      <a:effectRef idx="3">
+        <a:scrgbClr r="0" g="0" b="0"/>
+      </a:effectRef>
+      <a:fontRef idx="minor">
+        <a:schemeClr val="lt1"/>
+      </a:fontRef>
+    </dgm:style>
+  </dgm:styleLbl>
+  <dgm:styleLbl name="fgSibTrans2D1">
+    <dgm:scene3d>
+      <a:camera prst="orthographicFront"/>
+      <a:lightRig rig="threePt" dir="t"/>
+    </dgm:scene3d>
+    <dgm:sp3d/>
+    <dgm:txPr/>
+    <dgm:style>
+      <a:lnRef idx="0">
+        <a:scrgbClr r="0" g="0" b="0"/>
+      </a:lnRef>
+      <a:fillRef idx="3">
+        <a:scrgbClr r="0" g="0" b="0"/>
+      </a:fillRef>
+      <a:effectRef idx="3">
+        <a:scrgbClr r="0" g="0" b="0"/>
+      </a:effectRef>
+      <a:fontRef idx="minor">
+        <a:schemeClr val="lt1"/>
+      </a:fontRef>
+    </dgm:style>
+  </dgm:styleLbl>
+  <dgm:styleLbl name="bgSibTrans2D1">
+    <dgm:scene3d>
+      <a:camera prst="orthographicFront"/>
+      <a:lightRig rig="threePt" dir="t"/>
+    </dgm:scene3d>
+    <dgm:sp3d/>
+    <dgm:txPr/>
+    <dgm:style>
+      <a:lnRef idx="0">
+        <a:scrgbClr r="0" g="0" b="0"/>
+      </a:lnRef>
+      <a:fillRef idx="3">
+        <a:scrgbClr r="0" g="0" b="0"/>
+      </a:fillRef>
+      <a:effectRef idx="3">
+        <a:scrgbClr r="0" g="0" b="0"/>
+      </a:effectRef>
+      <a:fontRef idx="minor">
+        <a:schemeClr val="lt1"/>
+      </a:fontRef>
+    </dgm:style>
+  </dgm:styleLbl>
+  <dgm:styleLbl name="sibTrans1D1">
+    <dgm:scene3d>
+      <a:camera prst="orthographicFront"/>
+      <a:lightRig rig="threePt" dir="t"/>
+    </dgm:scene3d>
+    <dgm:sp3d/>
+    <dgm:txPr/>
+    <dgm:style>
+      <a:lnRef idx="1">
+        <a:scrgbClr r="0" g="0" b="0"/>
+      </a:lnRef>
+      <a:fillRef idx="0">
+        <a:scrgbClr r="0" g="0" b="0"/>
+      </a:fillRef>
+      <a:effectRef idx="0">
+        <a:scrgbClr r="0" g="0" b="0"/>
+      </a:effectRef>
+      <a:fontRef idx="minor"/>
+    </dgm:style>
+  </dgm:styleLbl>
+  <dgm:styleLbl name="callout">
+    <dgm:scene3d>
+      <a:camera prst="orthographicFront"/>
+      <a:lightRig rig="threePt" dir="t"/>
+    </dgm:scene3d>
+    <dgm:sp3d/>
+    <dgm:txPr/>
+    <dgm:style>
+      <a:lnRef idx="1">
+        <a:scrgbClr r="0" g="0" b="0"/>
+      </a:lnRef>
+      <a:fillRef idx="0">
+        <a:scrgbClr r="0" g="0" b="0"/>
+      </a:fillRef>
+      <a:effectRef idx="1">
+        <a:scrgbClr r="0" g="0" b="0"/>
+      </a:effectRef>
+      <a:fontRef idx="minor"/>
+    </dgm:style>
+  </dgm:styleLbl>
+  <dgm:styleLbl name="asst0">
+    <dgm:scene3d>
+      <a:camera prst="orthographicFront"/>
+      <a:lightRig rig="threePt" dir="t"/>
+    </dgm:scene3d>
+    <dgm:sp3d/>
+    <dgm:txPr/>
+    <dgm:style>
+      <a:lnRef idx="0">
+        <a:scrgbClr r="0" g="0" b="0"/>
+      </a:lnRef>
+      <a:fillRef idx="3">
+        <a:scrgbClr r="0" g="0" b="0"/>
+      </a:fillRef>
+      <a:effectRef idx="3">
+        <a:scrgbClr r="0" g="0" b="0"/>
+      </a:effectRef>
+      <a:fontRef idx="minor">
+        <a:schemeClr val="lt1"/>
+      </a:fontRef>
+    </dgm:style>
+  </dgm:styleLbl>
+  <dgm:styleLbl name="asst1">
+    <dgm:scene3d>
+      <a:camera prst="orthographicFront"/>
+      <a:lightRig rig="threePt" dir="t"/>
+    </dgm:scene3d>
+    <dgm:sp3d/>
+    <dgm:txPr/>
+    <dgm:style>
+      <a:lnRef idx="0">
+        <a:scrgbClr r="0" g="0" b="0"/>
+      </a:lnRef>
+      <a:fillRef idx="3">
+        <a:scrgbClr r="0" g="0" b="0"/>
+      </a:fillRef>
+      <a:effectRef idx="3">
+        <a:scrgbClr r="0" g="0" b="0"/>
+      </a:effectRef>
+      <a:fontRef idx="minor">
+        <a:schemeClr val="lt1"/>
+      </a:fontRef>
+    </dgm:style>
+  </dgm:styleLbl>
+  <dgm:styleLbl name="asst2">
+    <dgm:scene3d>
+      <a:camera prst="orthographicFront"/>
+      <a:lightRig rig="threePt" dir="t"/>
+    </dgm:scene3d>
+    <dgm:sp3d/>
+    <dgm:txPr/>
+    <dgm:style>
+      <a:lnRef idx="0">
+        <a:scrgbClr r="0" g="0" b="0"/>
+      </a:lnRef>
+      <a:fillRef idx="3">
+        <a:scrgbClr r="0" g="0" b="0"/>
+      </a:fillRef>
+      <a:effectRef idx="3">
+        <a:scrgbClr r="0" g="0" b="0"/>
+      </a:effectRef>
+      <a:fontRef idx="minor">
+        <a:schemeClr val="lt1"/>
+      </a:fontRef>
+    </dgm:style>
+  </dgm:styleLbl>
+  <dgm:styleLbl name="asst3">
+    <dgm:scene3d>
+      <a:camera prst="orthographicFront"/>
+      <a:lightRig rig="threePt" dir="t"/>
+    </dgm:scene3d>
+    <dgm:sp3d/>
+    <dgm:txPr/>
+    <dgm:style>
+      <a:lnRef idx="0">
+        <a:scrgbClr r="0" g="0" b="0"/>
+      </a:lnRef>
+      <a:fillRef idx="3">
+        <a:scrgbClr r="0" g="0" b="0"/>
+      </a:fillRef>
+      <a:effectRef idx="3">
+        <a:scrgbClr r="0" g="0" b="0"/>
+      </a:effectRef>
+      <a:fontRef idx="minor">
+        <a:schemeClr val="lt1"/>
+      </a:fontRef>
+    </dgm:style>
+  </dgm:styleLbl>
+  <dgm:styleLbl name="asst4">
+    <dgm:scene3d>
+      <a:camera prst="orthographicFront"/>
+      <a:lightRig rig="threePt" dir="t"/>
+    </dgm:scene3d>
+    <dgm:sp3d/>
+    <dgm:txPr/>
+    <dgm:style>
+      <a:lnRef idx="0">
+        <a:scrgbClr r="0" g="0" b="0"/>
+      </a:lnRef>
+      <a:fillRef idx="3">
+        <a:scrgbClr r="0" g="0" b="0"/>
+      </a:fillRef>
+      <a:effectRef idx="3">
+        <a:scrgbClr r="0" g="0" b="0"/>
+      </a:effectRef>
+      <a:fontRef idx="minor">
+        <a:schemeClr val="lt1"/>
+      </a:fontRef>
+    </dgm:style>
+  </dgm:styleLbl>
+  <dgm:styleLbl name="parChTrans2D1">
+    <dgm:scene3d>
+      <a:camera prst="orthographicFront"/>
+      <a:lightRig rig="threePt" dir="t"/>
+    </dgm:scene3d>
+    <dgm:sp3d/>
+    <dgm:txPr/>
+    <dgm:style>
+      <a:lnRef idx="0">
+        <a:scrgbClr r="0" g="0" b="0"/>
+      </a:lnRef>
+      <a:fillRef idx="3">
+        <a:scrgbClr r="0" g="0" b="0"/>
+      </a:fillRef>
+      <a:effectRef idx="3">
+        <a:scrgbClr r="0" g="0" b="0"/>
+      </a:effectRef>
+      <a:fontRef idx="minor">
+        <a:schemeClr val="lt1"/>
+      </a:fontRef>
+    </dgm:style>
+  </dgm:styleLbl>
+  <dgm:styleLbl name="parChTrans2D2">
+    <dgm:scene3d>
+      <a:camera prst="orthographicFront"/>
+      <a:lightRig rig="threePt" dir="t"/>
+    </dgm:scene3d>
+    <dgm:sp3d/>
+    <dgm:txPr/>
+    <dgm:style>
+      <a:lnRef idx="0">
+        <a:scrgbClr r="0" g="0" b="0"/>
+      </a:lnRef>
+      <a:fillRef idx="3">
+        <a:scrgbClr r="0" g="0" b="0"/>
+      </a:fillRef>
+      <a:effectRef idx="3">
+        <a:scrgbClr r="0" g="0" b="0"/>
+      </a:effectRef>
+      <a:fontRef idx="minor">
+        <a:schemeClr val="lt1"/>
+      </a:fontRef>
+    </dgm:style>
+  </dgm:styleLbl>
+  <dgm:styleLbl name="parChTrans2D3">
+    <dgm:scene3d>
+      <a:camera prst="orthographicFront"/>
+      <a:lightRig rig="threePt" dir="t"/>
+    </dgm:scene3d>
+    <dgm:sp3d/>
+    <dgm:txPr/>
+    <dgm:style>
+      <a:lnRef idx="0">
+        <a:scrgbClr r="0" g="0" b="0"/>
+      </a:lnRef>
+      <a:fillRef idx="3">
+        <a:scrgbClr r="0" g="0" b="0"/>
+      </a:fillRef>
+      <a:effectRef idx="3">
+        <a:scrgbClr r="0" g="0" b="0"/>
+      </a:effectRef>
+      <a:fontRef idx="minor">
+        <a:schemeClr val="lt1"/>
+      </a:fontRef>
+    </dgm:style>
+  </dgm:styleLbl>
+  <dgm:styleLbl name="parChTrans2D4">
+    <dgm:scene3d>
+      <a:camera prst="orthographicFront"/>
+      <a:lightRig rig="threePt" dir="t"/>
+    </dgm:scene3d>
+    <dgm:sp3d/>
+    <dgm:txPr/>
+    <dgm:style>
+      <a:lnRef idx="0">
+        <a:scrgbClr r="0" g="0" b="0"/>
+      </a:lnRef>
+      <a:fillRef idx="3">
+        <a:scrgbClr r="0" g="0" b="0"/>
+      </a:fillRef>
+      <a:effectRef idx="3">
+        <a:scrgbClr r="0" g="0" b="0"/>
+      </a:effectRef>
+      <a:fontRef idx="minor">
+        <a:schemeClr val="lt1"/>
+      </a:fontRef>
+    </dgm:style>
+  </dgm:styleLbl>
+  <dgm:styleLbl name="parChTrans1D1">
+    <dgm:scene3d>
+      <a:camera prst="orthographicFront"/>
+      <a:lightRig rig="threePt" dir="t"/>
+    </dgm:scene3d>
+    <dgm:sp3d/>
+    <dgm:txPr/>
+    <dgm:style>
+      <a:lnRef idx="2">
+        <a:scrgbClr r="0" g="0" b="0"/>
+      </a:lnRef>
+      <a:fillRef idx="0">
+        <a:scrgbClr r="0" g="0" b="0"/>
+      </a:fillRef>
+      <a:effectRef idx="0">
+        <a:scrgbClr r="0" g="0" b="0"/>
+      </a:effectRef>
+      <a:fontRef idx="minor"/>
+    </dgm:style>
+  </dgm:styleLbl>
+  <dgm:styleLbl name="parChTrans1D2">
+    <dgm:scene3d>
+      <a:camera prst="orthographicFront"/>
+      <a:lightRig rig="threePt" dir="t"/>
+    </dgm:scene3d>
+    <dgm:sp3d/>
+    <dgm:txPr/>
+    <dgm:style>
+      <a:lnRef idx="2">
+        <a:scrgbClr r="0" g="0" b="0"/>
+      </a:lnRef>
+      <a:fillRef idx="0">
+        <a:scrgbClr r="0" g="0" b="0"/>
+      </a:fillRef>
+      <a:effectRef idx="0">
+        <a:scrgbClr r="0" g="0" b="0"/>
+      </a:effectRef>
+      <a:fontRef idx="minor"/>
+    </dgm:style>
+  </dgm:styleLbl>
+  <dgm:styleLbl name="parChTrans1D3">
+    <dgm:scene3d>
+      <a:camera prst="orthographicFront"/>
+      <a:lightRig rig="threePt" dir="t"/>
+    </dgm:scene3d>
+    <dgm:sp3d/>
+    <dgm:txPr/>
+    <dgm:style>
+      <a:lnRef idx="2">
+        <a:scrgbClr r="0" g="0" b="0"/>
+      </a:lnRef>
+      <a:fillRef idx="0">
+        <a:scrgbClr r="0" g="0" b="0"/>
+      </a:fillRef>
+      <a:effectRef idx="0">
+        <a:scrgbClr r="0" g="0" b="0"/>
+      </a:effectRef>
+      <a:fontRef idx="minor"/>
+    </dgm:style>
+  </dgm:styleLbl>
+  <dgm:styleLbl name="parChTrans1D4">
+    <dgm:scene3d>
+      <a:camera prst="orthographicFront"/>
+      <a:lightRig rig="threePt" dir="t"/>
+    </dgm:scene3d>
+    <dgm:sp3d/>
+    <dgm:txPr/>
+    <dgm:style>
+      <a:lnRef idx="2">
+        <a:scrgbClr r="0" g="0" b="0"/>
+      </a:lnRef>
+      <a:fillRef idx="0">
+        <a:scrgbClr r="0" g="0" b="0"/>
+      </a:fillRef>
+      <a:effectRef idx="0">
+        <a:scrgbClr r="0" g="0" b="0"/>
+      </a:effectRef>
+      <a:fontRef idx="minor"/>
+    </dgm:style>
+  </dgm:styleLbl>
+  <dgm:styleLbl name="fgAcc1">
+    <dgm:scene3d>
+      <a:camera prst="orthographicFront"/>
+      <a:lightRig rig="threePt" dir="t"/>
+    </dgm:scene3d>
+    <dgm:sp3d/>
+    <dgm:txPr/>
+    <dgm:style>
+      <a:lnRef idx="1">
+        <a:scrgbClr r="0" g="0" b="0"/>
+      </a:lnRef>
+      <a:fillRef idx="1">
+        <a:scrgbClr r="0" g="0" b="0"/>
+      </a:fillRef>
+      <a:effectRef idx="2">
+        <a:scrgbClr r="0" g="0" b="0"/>
+      </a:effectRef>
+      <a:fontRef idx="minor"/>
+    </dgm:style>
+  </dgm:styleLbl>
+  <dgm:styleLbl name="conFgAcc1">
+    <dgm:scene3d>
+      <a:camera prst="orthographicFront"/>
+      <a:lightRig rig="threePt" dir="t"/>
+    </dgm:scene3d>
+    <dgm:sp3d/>
+    <dgm:txPr/>
+    <dgm:style>
+      <a:lnRef idx="1">
+        <a:scrgbClr r="0" g="0" b="0"/>
+      </a:lnRef>
+      <a:fillRef idx="1">
+        <a:scrgbClr r="0" g="0" b="0"/>
+      </a:fillRef>
+      <a:effectRef idx="2">
+        <a:scrgbClr r="0" g="0" b="0"/>
+      </a:effectRef>
+      <a:fontRef idx="minor"/>
+    </dgm:style>
+  </dgm:styleLbl>
+  <dgm:styleLbl name="alignAcc1">
+    <dgm:scene3d>
+      <a:camera prst="orthographicFront"/>
+      <a:lightRig rig="threePt" dir="t"/>
+    </dgm:scene3d>
+    <dgm:sp3d/>
+    <dgm:txPr/>
+    <dgm:style>
+      <a:lnRef idx="1">
+        <a:scrgbClr r="0" g="0" b="0"/>
+      </a:lnRef>
+      <a:fillRef idx="1">
+        <a:scrgbClr r="0" g="0" b="0"/>
+      </a:fillRef>
+      <a:effectRef idx="2">
+        <a:scrgbClr r="0" g="0" b="0"/>
+      </a:effectRef>
+      <a:fontRef idx="minor"/>
+    </dgm:style>
+  </dgm:styleLbl>
+  <dgm:styleLbl name="trAlignAcc1">
+    <dgm:scene3d>
+      <a:camera prst="orthographicFront"/>
+      <a:lightRig rig="threePt" dir="t"/>
+    </dgm:scene3d>
+    <dgm:sp3d/>
+    <dgm:txPr/>
+    <dgm:style>
+      <a:lnRef idx="1">
+        <a:scrgbClr r="0" g="0" b="0"/>
+      </a:lnRef>
+      <a:fillRef idx="1">
+        <a:scrgbClr r="0" g="0" b="0"/>
+      </a:fillRef>
+      <a:effectRef idx="0">
+        <a:scrgbClr r="0" g="0" b="0"/>
+      </a:effectRef>
+      <a:fontRef idx="minor"/>
+    </dgm:style>
+  </dgm:styleLbl>
+  <dgm:styleLbl name="bgAcc1">
+    <dgm:scene3d>
+      <a:camera prst="orthographicFront"/>
+      <a:lightRig rig="threePt" dir="t"/>
+    </dgm:scene3d>
+    <dgm:sp3d/>
+    <dgm:txPr/>
+    <dgm:style>
+      <a:lnRef idx="1">
+        <a:scrgbClr r="0" g="0" b="0"/>
+      </a:lnRef>
+      <a:fillRef idx="1">
+        <a:scrgbClr r="0" g="0" b="0"/>
+      </a:fillRef>
+      <a:effectRef idx="2">
+        <a:scrgbClr r="0" g="0" b="0"/>
+      </a:effectRef>
+      <a:fontRef idx="minor"/>
+    </dgm:style>
+  </dgm:styleLbl>
+  <dgm:styleLbl name="solidFgAcc1">
+    <dgm:scene3d>
+      <a:camera prst="orthographicFront"/>
+      <a:lightRig rig="threePt" dir="t"/>
+    </dgm:scene3d>
+    <dgm:sp3d/>
+    <dgm:txPr/>
+    <dgm:style>
+      <a:lnRef idx="1">
+        <a:scrgbClr r="0" g="0" b="0"/>
+      </a:lnRef>
+      <a:fillRef idx="1">
+        <a:scrgbClr r="0" g="0" b="0"/>
+      </a:fillRef>
+      <a:effectRef idx="2">
+        <a:scrgbClr r="0" g="0" b="0"/>
+      </a:effectRef>
+      <a:fontRef idx="minor"/>
+    </dgm:style>
+  </dgm:styleLbl>
+  <dgm:styleLbl name="solidAlignAcc1">
+    <dgm:scene3d>
+      <a:camera prst="orthographicFront"/>
+      <a:lightRig rig="threePt" dir="t"/>
+    </dgm:scene3d>
+    <dgm:sp3d/>
+    <dgm:txPr/>
+    <dgm:style>
+      <a:lnRef idx="1">
+        <a:scrgbClr r="0" g="0" b="0"/>
+      </a:lnRef>
+      <a:fillRef idx="1">
+        <a:scrgbClr r="0" g="0" b="0"/>
+      </a:fillRef>
+      <a:effectRef idx="3">
+        <a:scrgbClr r="0" g="0" b="0"/>
+      </a:effectRef>
+      <a:fontRef idx="minor"/>
+    </dgm:style>
+  </dgm:styleLbl>
+  <dgm:styleLbl name="solidBgAcc1">
+    <dgm:scene3d>
+      <a:camera prst="orthographicFront"/>
+      <a:lightRig rig="threePt" dir="t"/>
+    </dgm:scene3d>
+    <dgm:sp3d/>
+    <dgm:txPr/>
+    <dgm:style>
+      <a:lnRef idx="1">
+        <a:scrgbClr r="0" g="0" b="0"/>
+      </a:lnRef>
+      <a:fillRef idx="1">
+        <a:scrgbClr r="0" g="0" b="0"/>
+      </a:fillRef>
+      <a:effectRef idx="3">
+        <a:scrgbClr r="0" g="0" b="0"/>
+      </a:effectRef>
+      <a:fontRef idx="minor"/>
+    </dgm:style>
+  </dgm:styleLbl>
+  <dgm:styleLbl name="fgAccFollowNode1">
+    <dgm:scene3d>
+      <a:camera prst="orthographicFront"/>
+      <a:lightRig rig="threePt" dir="t"/>
+    </dgm:scene3d>
+    <dgm:sp3d/>
+    <dgm:txPr/>
+    <dgm:style>
+      <a:lnRef idx="1">
+        <a:scrgbClr r="0" g="0" b="0"/>
+      </a:lnRef>
+      <a:fillRef idx="1">
+        <a:scrgbClr r="0" g="0" b="0"/>
+      </a:fillRef>
+      <a:effectRef idx="2">
+        <a:scrgbClr r="0" g="0" b="0"/>
+      </a:effectRef>
+      <a:fontRef idx="minor"/>
+    </dgm:style>
+  </dgm:styleLbl>
+  <dgm:styleLbl name="alignAccFollowNode1">
+    <dgm:scene3d>
+      <a:camera prst="orthographicFront"/>
+      <a:lightRig rig="threePt" dir="t"/>
+    </dgm:scene3d>
+    <dgm:sp3d/>
+    <dgm:txPr/>
+    <dgm:style>
+      <a:lnRef idx="1">
+        <a:scrgbClr r="0" g="0" b="0"/>
+      </a:lnRef>
+      <a:fillRef idx="1">
+        <a:scrgbClr r="0" g="0" b="0"/>
+      </a:fillRef>
+      <a:effectRef idx="2">
+        <a:scrgbClr r="0" g="0" b="0"/>
+      </a:effectRef>
+      <a:fontRef idx="minor"/>
+    </dgm:style>
+  </dgm:styleLbl>
+  <dgm:styleLbl name="bgAccFollowNode1">
+    <dgm:scene3d>
+      <a:camera prst="orthographicFront"/>
+      <a:lightRig rig="threePt" dir="t"/>
+    </dgm:scene3d>
+    <dgm:sp3d/>
+    <dgm:txPr/>
+    <dgm:style>
+      <a:lnRef idx="1">
+        <a:scrgbClr r="0" g="0" b="0"/>
+      </a:lnRef>
+      <a:fillRef idx="1">
+        <a:scrgbClr r="0" g="0" b="0"/>
+      </a:fillRef>
+      <a:effectRef idx="2">
+        <a:scrgbClr r="0" g="0" b="0"/>
+      </a:effectRef>
+      <a:fontRef idx="minor"/>
+    </dgm:style>
+  </dgm:styleLbl>
+  <dgm:styleLbl name="fgAcc0">
+    <dgm:scene3d>
+      <a:camera prst="orthographicFront"/>
+      <a:lightRig rig="threePt" dir="t"/>
+    </dgm:scene3d>
+    <dgm:sp3d/>
+    <dgm:txPr/>
+    <dgm:style>
+      <a:lnRef idx="1">
+        <a:scrgbClr r="0" g="0" b="0"/>
+      </a:lnRef>
+      <a:fillRef idx="1">
+        <a:scrgbClr r="0" g="0" b="0"/>
+      </a:fillRef>
+      <a:effectRef idx="2">
+        <a:scrgbClr r="0" g="0" b="0"/>
+      </a:effectRef>
+      <a:fontRef idx="minor"/>
+    </dgm:style>
+  </dgm:styleLbl>
+  <dgm:styleLbl name="fgAcc2">
+    <dgm:scene3d>
+      <a:camera prst="orthographicFront"/>
+      <a:lightRig rig="threePt" dir="t"/>
+    </dgm:scene3d>
+    <dgm:sp3d/>
+    <dgm:txPr/>
+    <dgm:style>
+      <a:lnRef idx="1">
+        <a:scrgbClr r="0" g="0" b="0"/>
+      </a:lnRef>
+      <a:fillRef idx="1">
+        <a:scrgbClr r="0" g="0" b="0"/>
+      </a:fillRef>
+      <a:effectRef idx="2">
+        <a:scrgbClr r="0" g="0" b="0"/>
+      </a:effectRef>
+      <a:fontRef idx="minor"/>
+    </dgm:style>
+  </dgm:styleLbl>
+  <dgm:styleLbl name="fgAcc3">
+    <dgm:scene3d>
+      <a:camera prst="orthographicFront"/>
+      <a:lightRig rig="threePt" dir="t"/>
+    </dgm:scene3d>
+    <dgm:sp3d/>
+    <dgm:txPr/>
+    <dgm:style>
+      <a:lnRef idx="1">
+        <a:scrgbClr r="0" g="0" b="0"/>
+      </a:lnRef>
+      <a:fillRef idx="1">
+        <a:scrgbClr r="0" g="0" b="0"/>
+      </a:fillRef>
+      <a:effectRef idx="2">
+        <a:scrgbClr r="0" g="0" b="0"/>
+      </a:effectRef>
+      <a:fontRef idx="minor"/>
+    </dgm:style>
+  </dgm:styleLbl>
+  <dgm:styleLbl name="fgAcc4">
+    <dgm:scene3d>
+      <a:camera prst="orthographicFront"/>
+      <a:lightRig rig="threePt" dir="t"/>
+    </dgm:scene3d>
+    <dgm:sp3d/>
+    <dgm:txPr/>
+    <dgm:style>
+      <a:lnRef idx="1">
+        <a:scrgbClr r="0" g="0" b="0"/>
+      </a:lnRef>
+      <a:fillRef idx="1">
+        <a:scrgbClr r="0" g="0" b="0"/>
+      </a:fillRef>
+      <a:effectRef idx="2">
+        <a:scrgbClr r="0" g="0" b="0"/>
+      </a:effectRef>
+      <a:fontRef idx="minor"/>
+    </dgm:style>
+  </dgm:styleLbl>
+  <dgm:styleLbl name="bgShp">
+    <dgm:scene3d>
+      <a:camera prst="orthographicFront"/>
+      <a:lightRig rig="threePt" dir="t"/>
+    </dgm:scene3d>
+    <dgm:sp3d/>
+    <dgm:txPr/>
+    <dgm:style>
+      <a:lnRef idx="0">
+        <a:scrgbClr r="0" g="0" b="0"/>
+      </a:lnRef>
+      <a:fillRef idx="1">
+        <a:scrgbClr r="0" g="0" b="0"/>
+      </a:fillRef>
+      <a:effectRef idx="2">
+        <a:scrgbClr r="0" g="0" b="0"/>
+      </a:effectRef>
+      <a:fontRef idx="minor"/>
+    </dgm:style>
+  </dgm:styleLbl>
+  <dgm:styleLbl name="dkBgShp">
+    <dgm:scene3d>
+      <a:camera prst="orthographicFront"/>
+      <a:lightRig rig="threePt" dir="t"/>
+    </dgm:scene3d>
+    <dgm:sp3d/>
+    <dgm:txPr/>
+    <dgm:style>
+      <a:lnRef idx="0">
+        <a:scrgbClr r="0" g="0" b="0"/>
+      </a:lnRef>
+      <a:fillRef idx="1">
+        <a:scrgbClr r="0" g="0" b="0"/>
+      </a:fillRef>
+      <a:effectRef idx="3">
+        <a:scrgbClr r="0" g="0" b="0"/>
+      </a:effectRef>
+      <a:fontRef idx="minor"/>
+    </dgm:style>
+  </dgm:styleLbl>
+  <dgm:styleLbl name="trBgShp">
+    <dgm:scene3d>
+      <a:camera prst="orthographicFront"/>
+      <a:lightRig rig="threePt" dir="t"/>
+    </dgm:scene3d>
+    <dgm:sp3d/>
+    <dgm:txPr/>
+    <dgm:style>
+      <a:lnRef idx="0">
+        <a:scrgbClr r="0" g="0" b="0"/>
+      </a:lnRef>
+      <a:fillRef idx="1">
+        <a:scrgbClr r="0" g="0" b="0"/>
+      </a:fillRef>
+      <a:effectRef idx="0">
+        <a:scrgbClr r="0" g="0" b="0"/>
+      </a:effectRef>
+      <a:fontRef idx="minor"/>
+    </dgm:style>
+  </dgm:styleLbl>
+  <dgm:styleLbl name="fgShp">
+    <dgm:scene3d>
+      <a:camera prst="orthographicFront"/>
+      <a:lightRig rig="threePt" dir="t"/>
+    </dgm:scene3d>
+    <dgm:sp3d/>
+    <dgm:txPr/>
+    <dgm:style>
+      <a:lnRef idx="0">
+        <a:scrgbClr r="0" g="0" b="0"/>
+      </a:lnRef>
+      <a:fillRef idx="3">
+        <a:scrgbClr r="0" g="0" b="0"/>
+      </a:fillRef>
+      <a:effectRef idx="3">
+        <a:scrgbClr r="0" g="0" b="0"/>
+      </a:effectRef>
+      <a:fontRef idx="minor"/>
+    </dgm:style>
+  </dgm:styleLbl>
+  <dgm:styleLbl name="revTx">
+    <dgm:scene3d>
+      <a:camera prst="orthographicFront"/>
+      <a:lightRig rig="threePt" dir="t"/>
+    </dgm:scene3d>
+    <dgm:sp3d/>
+    <dgm:txPr/>
+    <dgm:style>
+      <a:lnRef idx="0">
+        <a:scrgbClr r="0" g="0" b="0"/>
+      </a:lnRef>
+      <a:fillRef idx="0">
+        <a:scrgbClr r="0" g="0" b="0"/>
+      </a:fillRef>
+      <a:effectRef idx="0">
+        <a:scrgbClr r="0" g="0" b="0"/>
+      </a:effectRef>
+      <a:fontRef idx="minor"/>
+    </dgm:style>
+  </dgm:styleLbl>
+</dgm:styleDef>
 </file>
 
 <file path=ppt/slideLayouts/slideLayout1.xml><?xml version="1.0" encoding="utf-8"?>
@@ -257,7 +3069,7 @@
           <a:p>
             <a:fld id="{BDBD1CE3-AADA-4127-9A6C-A594FEC28443}" type="datetimeFigureOut">
               <a:rPr lang="en-US" smtClean="0"/>
-              <a:t>2/15/2022</a:t>
+              <a:t>2/16/2022</a:t>
             </a:fld>
             <a:endParaRPr lang="en-US"/>
           </a:p>
@@ -455,7 +3267,7 @@
           <a:p>
             <a:fld id="{BDBD1CE3-AADA-4127-9A6C-A594FEC28443}" type="datetimeFigureOut">
               <a:rPr lang="en-US" smtClean="0"/>
-              <a:t>2/15/2022</a:t>
+              <a:t>2/16/2022</a:t>
             </a:fld>
             <a:endParaRPr lang="en-US"/>
           </a:p>
@@ -663,7 +3475,7 @@
           <a:p>
             <a:fld id="{BDBD1CE3-AADA-4127-9A6C-A594FEC28443}" type="datetimeFigureOut">
               <a:rPr lang="en-US" smtClean="0"/>
-              <a:t>2/15/2022</a:t>
+              <a:t>2/16/2022</a:t>
             </a:fld>
             <a:endParaRPr lang="en-US"/>
           </a:p>
@@ -861,7 +3673,7 @@
           <a:p>
             <a:fld id="{BDBD1CE3-AADA-4127-9A6C-A594FEC28443}" type="datetimeFigureOut">
               <a:rPr lang="en-US" smtClean="0"/>
-              <a:t>2/15/2022</a:t>
+              <a:t>2/16/2022</a:t>
             </a:fld>
             <a:endParaRPr lang="en-US"/>
           </a:p>
@@ -1136,7 +3948,7 @@
           <a:p>
             <a:fld id="{BDBD1CE3-AADA-4127-9A6C-A594FEC28443}" type="datetimeFigureOut">
               <a:rPr lang="en-US" smtClean="0"/>
-              <a:t>2/15/2022</a:t>
+              <a:t>2/16/2022</a:t>
             </a:fld>
             <a:endParaRPr lang="en-US"/>
           </a:p>
@@ -1401,7 +4213,7 @@
           <a:p>
             <a:fld id="{BDBD1CE3-AADA-4127-9A6C-A594FEC28443}" type="datetimeFigureOut">
               <a:rPr lang="en-US" smtClean="0"/>
-              <a:t>2/15/2022</a:t>
+              <a:t>2/16/2022</a:t>
             </a:fld>
             <a:endParaRPr lang="en-US"/>
           </a:p>
@@ -1813,7 +4625,7 @@
           <a:p>
             <a:fld id="{BDBD1CE3-AADA-4127-9A6C-A594FEC28443}" type="datetimeFigureOut">
               <a:rPr lang="en-US" smtClean="0"/>
-              <a:t>2/15/2022</a:t>
+              <a:t>2/16/2022</a:t>
             </a:fld>
             <a:endParaRPr lang="en-US"/>
           </a:p>
@@ -1954,7 +4766,7 @@
           <a:p>
             <a:fld id="{BDBD1CE3-AADA-4127-9A6C-A594FEC28443}" type="datetimeFigureOut">
               <a:rPr lang="en-US" smtClean="0"/>
-              <a:t>2/15/2022</a:t>
+              <a:t>2/16/2022</a:t>
             </a:fld>
             <a:endParaRPr lang="en-US"/>
           </a:p>
@@ -2067,7 +4879,7 @@
           <a:p>
             <a:fld id="{BDBD1CE3-AADA-4127-9A6C-A594FEC28443}" type="datetimeFigureOut">
               <a:rPr lang="en-US" smtClean="0"/>
-              <a:t>2/15/2022</a:t>
+              <a:t>2/16/2022</a:t>
             </a:fld>
             <a:endParaRPr lang="en-US"/>
           </a:p>
@@ -2378,7 +5190,7 @@
           <a:p>
             <a:fld id="{BDBD1CE3-AADA-4127-9A6C-A594FEC28443}" type="datetimeFigureOut">
               <a:rPr lang="en-US" smtClean="0"/>
-              <a:t>2/15/2022</a:t>
+              <a:t>2/16/2022</a:t>
             </a:fld>
             <a:endParaRPr lang="en-US"/>
           </a:p>
@@ -2666,7 +5478,7 @@
           <a:p>
             <a:fld id="{BDBD1CE3-AADA-4127-9A6C-A594FEC28443}" type="datetimeFigureOut">
               <a:rPr lang="en-US" smtClean="0"/>
-              <a:t>2/15/2022</a:t>
+              <a:t>2/16/2022</a:t>
             </a:fld>
             <a:endParaRPr lang="en-US"/>
           </a:p>
@@ -2907,7 +5719,7 @@
           <a:p>
             <a:fld id="{BDBD1CE3-AADA-4127-9A6C-A594FEC28443}" type="datetimeFigureOut">
               <a:rPr lang="en-US" smtClean="0"/>
-              <a:t>2/15/2022</a:t>
+              <a:t>2/16/2022</a:t>
             </a:fld>
             <a:endParaRPr lang="en-US"/>
           </a:p>
@@ -4175,6 +6987,1428 @@
 </p:sld>
 </file>
 
+<file path=ppt/slides/slide5.xml><?xml version="1.0" encoding="utf-8"?>
+<p:sld xmlns:a="http://schemas.openxmlformats.org/drawingml/2006/main" xmlns:r="http://schemas.openxmlformats.org/officeDocument/2006/relationships" xmlns:p="http://schemas.openxmlformats.org/presentationml/2006/main">
+  <p:cSld>
+    <p:spTree>
+      <p:nvGrpSpPr>
+        <p:cNvPr id="1" name=""/>
+        <p:cNvGrpSpPr/>
+        <p:nvPr/>
+      </p:nvGrpSpPr>
+      <p:grpSpPr>
+        <a:xfrm>
+          <a:off x="0" y="0"/>
+          <a:ext cx="0" cy="0"/>
+          <a:chOff x="0" y="0"/>
+          <a:chExt cx="0" cy="0"/>
+        </a:xfrm>
+      </p:grpSpPr>
+      <p:sp>
+        <p:nvSpPr>
+          <p:cNvPr id="3" name="TextBox 2">
+            <a:extLst>
+              <a:ext uri="{FF2B5EF4-FFF2-40B4-BE49-F238E27FC236}">
+                <a16:creationId xmlns:a16="http://schemas.microsoft.com/office/drawing/2014/main" id="{C05EAA58-29C1-4EA5-AD21-A1D6E4E7C789}"/>
+              </a:ext>
+            </a:extLst>
+          </p:cNvPr>
+          <p:cNvSpPr txBox="1"/>
+          <p:nvPr/>
+        </p:nvSpPr>
+        <p:spPr>
+          <a:xfrm>
+            <a:off x="0" y="0"/>
+            <a:ext cx="12192000" cy="523220"/>
+          </a:xfrm>
+          <a:prstGeom prst="rect">
+            <a:avLst/>
+          </a:prstGeom>
+          <a:noFill/>
+        </p:spPr>
+        <p:txBody>
+          <a:bodyPr wrap="square">
+            <a:spAutoFit/>
+          </a:bodyPr>
+          <a:lstStyle/>
+          <a:p>
+            <a:pPr algn="just" fontAlgn="base"/>
+            <a:r>
+              <a:rPr lang="en-US" sz="2800" i="0" dirty="0">
+                <a:solidFill>
+                  <a:schemeClr val="accent2">
+                    <a:lumMod val="75000"/>
+                  </a:schemeClr>
+                </a:solidFill>
+                <a:effectLst/>
+                <a:latin typeface="Segoe UI" panose="020B0502040204020203" pitchFamily="34" charset="0"/>
+                <a:cs typeface="Segoe UI" panose="020B0502040204020203" pitchFamily="34" charset="0"/>
+              </a:rPr>
+              <a:t>What are the OOPs Principles or OOPs Concepts in C#?</a:t>
+            </a:r>
+          </a:p>
+        </p:txBody>
+      </p:sp>
+      <p:graphicFrame>
+        <p:nvGraphicFramePr>
+          <p:cNvPr id="6" name="Diagram 5">
+            <a:extLst>
+              <a:ext uri="{FF2B5EF4-FFF2-40B4-BE49-F238E27FC236}">
+                <a16:creationId xmlns:a16="http://schemas.microsoft.com/office/drawing/2014/main" id="{DBE59E3F-F1F2-4B9D-9ACD-E7B9A2BB53E1}"/>
+              </a:ext>
+            </a:extLst>
+          </p:cNvPr>
+          <p:cNvGraphicFramePr/>
+          <p:nvPr>
+            <p:extLst>
+              <p:ext uri="{D42A27DB-BD31-4B8C-83A1-F6EECF244321}">
+                <p14:modId xmlns:p14="http://schemas.microsoft.com/office/powerpoint/2010/main" val="1708680744"/>
+              </p:ext>
+            </p:extLst>
+          </p:nvPr>
+        </p:nvGraphicFramePr>
+        <p:xfrm>
+          <a:off x="-3284391" y="792480"/>
+          <a:ext cx="18353738" cy="5313680"/>
+        </p:xfrm>
+        <a:graphic>
+          <a:graphicData uri="http://schemas.openxmlformats.org/drawingml/2006/diagram">
+            <dgm:relIds xmlns:dgm="http://schemas.openxmlformats.org/drawingml/2006/diagram" xmlns:r="http://schemas.openxmlformats.org/officeDocument/2006/relationships" r:dm="rId2" r:lo="rId3" r:qs="rId4" r:cs="rId5"/>
+          </a:graphicData>
+        </a:graphic>
+      </p:graphicFrame>
+    </p:spTree>
+    <p:extLst>
+      <p:ext uri="{BB962C8B-B14F-4D97-AF65-F5344CB8AC3E}">
+        <p14:creationId xmlns:p14="http://schemas.microsoft.com/office/powerpoint/2010/main" val="468681698"/>
+      </p:ext>
+    </p:extLst>
+  </p:cSld>
+  <p:clrMapOvr>
+    <a:masterClrMapping/>
+  </p:clrMapOvr>
+</p:sld>
+</file>
+
+<file path=ppt/slides/slide6.xml><?xml version="1.0" encoding="utf-8"?>
+<p:sld xmlns:a="http://schemas.openxmlformats.org/drawingml/2006/main" xmlns:r="http://schemas.openxmlformats.org/officeDocument/2006/relationships" xmlns:p="http://schemas.openxmlformats.org/presentationml/2006/main">
+  <p:cSld>
+    <p:spTree>
+      <p:nvGrpSpPr>
+        <p:cNvPr id="1" name=""/>
+        <p:cNvGrpSpPr/>
+        <p:nvPr/>
+      </p:nvGrpSpPr>
+      <p:grpSpPr>
+        <a:xfrm>
+          <a:off x="0" y="0"/>
+          <a:ext cx="0" cy="0"/>
+          <a:chOff x="0" y="0"/>
+          <a:chExt cx="0" cy="0"/>
+        </a:xfrm>
+      </p:grpSpPr>
+      <p:sp>
+        <p:nvSpPr>
+          <p:cNvPr id="3" name="TextBox 2">
+            <a:extLst>
+              <a:ext uri="{FF2B5EF4-FFF2-40B4-BE49-F238E27FC236}">
+                <a16:creationId xmlns:a16="http://schemas.microsoft.com/office/drawing/2014/main" id="{A0D20122-7941-4719-A1C3-DF6092983A58}"/>
+              </a:ext>
+            </a:extLst>
+          </p:cNvPr>
+          <p:cNvSpPr txBox="1"/>
+          <p:nvPr/>
+        </p:nvSpPr>
+        <p:spPr>
+          <a:xfrm>
+            <a:off x="170848" y="118530"/>
+            <a:ext cx="6097604" cy="461665"/>
+          </a:xfrm>
+          <a:prstGeom prst="rect">
+            <a:avLst/>
+          </a:prstGeom>
+          <a:noFill/>
+        </p:spPr>
+        <p:txBody>
+          <a:bodyPr wrap="square">
+            <a:spAutoFit/>
+          </a:bodyPr>
+          <a:lstStyle/>
+          <a:p>
+            <a:pPr algn="just" fontAlgn="base"/>
+            <a:r>
+              <a:rPr lang="en-US" sz="2400" i="0" dirty="0">
+                <a:solidFill>
+                  <a:schemeClr val="accent2">
+                    <a:lumMod val="75000"/>
+                  </a:schemeClr>
+                </a:solidFill>
+                <a:effectLst/>
+                <a:latin typeface="Segoe UI" panose="020B0502040204020203" pitchFamily="34" charset="0"/>
+                <a:cs typeface="Segoe UI" panose="020B0502040204020203" pitchFamily="34" charset="0"/>
+              </a:rPr>
+              <a:t>What are Abstraction and Encapsulation?</a:t>
+            </a:r>
+          </a:p>
+        </p:txBody>
+      </p:sp>
+      <p:sp>
+        <p:nvSpPr>
+          <p:cNvPr id="5" name="TextBox 4">
+            <a:extLst>
+              <a:ext uri="{FF2B5EF4-FFF2-40B4-BE49-F238E27FC236}">
+                <a16:creationId xmlns:a16="http://schemas.microsoft.com/office/drawing/2014/main" id="{D40E8828-B530-4033-A072-4CD85154E0CF}"/>
+              </a:ext>
+            </a:extLst>
+          </p:cNvPr>
+          <p:cNvSpPr txBox="1"/>
+          <p:nvPr/>
+        </p:nvSpPr>
+        <p:spPr>
+          <a:xfrm>
+            <a:off x="170848" y="619565"/>
+            <a:ext cx="11918483" cy="923330"/>
+          </a:xfrm>
+          <a:prstGeom prst="rect">
+            <a:avLst/>
+          </a:prstGeom>
+          <a:noFill/>
+        </p:spPr>
+        <p:txBody>
+          <a:bodyPr wrap="square">
+            <a:spAutoFit/>
+          </a:bodyPr>
+          <a:lstStyle/>
+          <a:p>
+            <a:r>
+              <a:rPr lang="en-US" b="0" i="0" dirty="0">
+                <a:solidFill>
+                  <a:srgbClr val="000000"/>
+                </a:solidFill>
+                <a:effectLst/>
+                <a:latin typeface="Segoe UI" panose="020B0502040204020203" pitchFamily="34" charset="0"/>
+                <a:cs typeface="Segoe UI" panose="020B0502040204020203" pitchFamily="34" charset="0"/>
+              </a:rPr>
+              <a:t>The process of representing the essential features without including the background details is called </a:t>
+            </a:r>
+            <a:r>
+              <a:rPr lang="en-US" b="1" i="0" u="none" strike="noStrike" dirty="0">
+                <a:solidFill>
+                  <a:srgbClr val="007BFF"/>
+                </a:solidFill>
+                <a:effectLst/>
+                <a:latin typeface="Segoe UI" panose="020B0502040204020203" pitchFamily="34" charset="0"/>
+                <a:cs typeface="Segoe UI" panose="020B0502040204020203" pitchFamily="34" charset="0"/>
+                <a:hlinkClick r:id="rId2"/>
+              </a:rPr>
+              <a:t>Abstraction</a:t>
+            </a:r>
+            <a:r>
+              <a:rPr lang="en-US" b="0" i="0" dirty="0">
+                <a:solidFill>
+                  <a:srgbClr val="000000"/>
+                </a:solidFill>
+                <a:effectLst/>
+                <a:latin typeface="Segoe UI" panose="020B0502040204020203" pitchFamily="34" charset="0"/>
+                <a:cs typeface="Segoe UI" panose="020B0502040204020203" pitchFamily="34" charset="0"/>
+              </a:rPr>
+              <a:t>. In simple words, we can say that it is a process of defining a class by providing necessary details to call the object operations (i.e. methods) by hiding or removing its implementation details.</a:t>
+            </a:r>
+            <a:endParaRPr lang="en-US" dirty="0">
+              <a:latin typeface="Segoe UI" panose="020B0502040204020203" pitchFamily="34" charset="0"/>
+              <a:cs typeface="Segoe UI" panose="020B0502040204020203" pitchFamily="34" charset="0"/>
+            </a:endParaRPr>
+          </a:p>
+        </p:txBody>
+      </p:sp>
+      <p:sp>
+        <p:nvSpPr>
+          <p:cNvPr id="7" name="TextBox 6">
+            <a:extLst>
+              <a:ext uri="{FF2B5EF4-FFF2-40B4-BE49-F238E27FC236}">
+                <a16:creationId xmlns:a16="http://schemas.microsoft.com/office/drawing/2014/main" id="{BF1EAEAA-457B-449D-82F1-5E19954B60FB}"/>
+              </a:ext>
+            </a:extLst>
+          </p:cNvPr>
+          <p:cNvSpPr txBox="1"/>
+          <p:nvPr/>
+        </p:nvSpPr>
+        <p:spPr>
+          <a:xfrm>
+            <a:off x="170848" y="1674674"/>
+            <a:ext cx="11918482" cy="923330"/>
+          </a:xfrm>
+          <a:prstGeom prst="rect">
+            <a:avLst/>
+          </a:prstGeom>
+          <a:noFill/>
+        </p:spPr>
+        <p:txBody>
+          <a:bodyPr wrap="square">
+            <a:spAutoFit/>
+          </a:bodyPr>
+          <a:lstStyle/>
+          <a:p>
+            <a:r>
+              <a:rPr lang="en-US" b="0" i="0" dirty="0">
+                <a:solidFill>
+                  <a:srgbClr val="000000"/>
+                </a:solidFill>
+                <a:effectLst/>
+                <a:latin typeface="Segoe UI" panose="020B0502040204020203" pitchFamily="34" charset="0"/>
+                <a:cs typeface="Segoe UI" panose="020B0502040204020203" pitchFamily="34" charset="0"/>
+              </a:rPr>
+              <a:t>The process of binding the data and functions together into a single unit (i.e. class) is called </a:t>
+            </a:r>
+            <a:r>
+              <a:rPr lang="en-US" b="1" i="0" u="none" strike="noStrike" dirty="0">
+                <a:solidFill>
+                  <a:srgbClr val="007BFF"/>
+                </a:solidFill>
+                <a:effectLst/>
+                <a:latin typeface="Segoe UI" panose="020B0502040204020203" pitchFamily="34" charset="0"/>
+                <a:cs typeface="Segoe UI" panose="020B0502040204020203" pitchFamily="34" charset="0"/>
+                <a:hlinkClick r:id="rId3"/>
+              </a:rPr>
+              <a:t>Encapsulation</a:t>
+            </a:r>
+            <a:r>
+              <a:rPr lang="en-US" b="0" i="0" dirty="0">
+                <a:solidFill>
+                  <a:srgbClr val="000000"/>
+                </a:solidFill>
+                <a:effectLst/>
+                <a:latin typeface="Segoe UI" panose="020B0502040204020203" pitchFamily="34" charset="0"/>
+                <a:cs typeface="Segoe UI" panose="020B0502040204020203" pitchFamily="34" charset="0"/>
+              </a:rPr>
+              <a:t>. In simple words, we can say that it is a process of creating a class by hiding its internal data members from outside the class and accessing those internal data members only through publicly exposed methods or properties.</a:t>
+            </a:r>
+            <a:endParaRPr lang="en-US" dirty="0">
+              <a:latin typeface="Segoe UI" panose="020B0502040204020203" pitchFamily="34" charset="0"/>
+              <a:cs typeface="Segoe UI" panose="020B0502040204020203" pitchFamily="34" charset="0"/>
+            </a:endParaRPr>
+          </a:p>
+        </p:txBody>
+      </p:sp>
+      <p:sp>
+        <p:nvSpPr>
+          <p:cNvPr id="9" name="TextBox 8">
+            <a:extLst>
+              <a:ext uri="{FF2B5EF4-FFF2-40B4-BE49-F238E27FC236}">
+                <a16:creationId xmlns:a16="http://schemas.microsoft.com/office/drawing/2014/main" id="{96D1BEB5-1CE1-46E2-8291-41D56EEBCC59}"/>
+              </a:ext>
+            </a:extLst>
+          </p:cNvPr>
+          <p:cNvSpPr txBox="1"/>
+          <p:nvPr/>
+        </p:nvSpPr>
+        <p:spPr>
+          <a:xfrm>
+            <a:off x="170848" y="2666136"/>
+            <a:ext cx="11918482" cy="646331"/>
+          </a:xfrm>
+          <a:prstGeom prst="rect">
+            <a:avLst/>
+          </a:prstGeom>
+          <a:noFill/>
+        </p:spPr>
+        <p:txBody>
+          <a:bodyPr wrap="square">
+            <a:spAutoFit/>
+          </a:bodyPr>
+          <a:lstStyle/>
+          <a:p>
+            <a:r>
+              <a:rPr lang="en-US" b="0" i="0" dirty="0">
+                <a:solidFill>
+                  <a:srgbClr val="000000"/>
+                </a:solidFill>
+                <a:effectLst/>
+                <a:latin typeface="Segoe UI" panose="020B0502040204020203" pitchFamily="34" charset="0"/>
+                <a:cs typeface="Segoe UI" panose="020B0502040204020203" pitchFamily="34" charset="0"/>
+              </a:rPr>
+              <a:t>Abstraction and Encapsulation are related to each other. We can say that Abstraction is logical thinking whereas Encapsulation is its physical implementation.</a:t>
+            </a:r>
+            <a:endParaRPr lang="en-US" dirty="0">
+              <a:latin typeface="Segoe UI" panose="020B0502040204020203" pitchFamily="34" charset="0"/>
+              <a:cs typeface="Segoe UI" panose="020B0502040204020203" pitchFamily="34" charset="0"/>
+            </a:endParaRPr>
+          </a:p>
+        </p:txBody>
+      </p:sp>
+      <p:pic>
+        <p:nvPicPr>
+          <p:cNvPr id="11" name="Picture 10">
+            <a:extLst>
+              <a:ext uri="{FF2B5EF4-FFF2-40B4-BE49-F238E27FC236}">
+                <a16:creationId xmlns:a16="http://schemas.microsoft.com/office/drawing/2014/main" id="{8535A1D7-91D0-4517-ADBE-D05346404795}"/>
+              </a:ext>
+            </a:extLst>
+          </p:cNvPr>
+          <p:cNvPicPr>
+            <a:picLocks noChangeAspect="1"/>
+          </p:cNvPicPr>
+          <p:nvPr/>
+        </p:nvPicPr>
+        <p:blipFill>
+          <a:blip r:embed="rId4"/>
+          <a:stretch>
+            <a:fillRect/>
+          </a:stretch>
+        </p:blipFill>
+        <p:spPr>
+          <a:xfrm>
+            <a:off x="133333" y="3613665"/>
+            <a:ext cx="4852556" cy="2882245"/>
+          </a:xfrm>
+          <a:prstGeom prst="rect">
+            <a:avLst/>
+          </a:prstGeom>
+        </p:spPr>
+      </p:pic>
+      <p:graphicFrame>
+        <p:nvGraphicFramePr>
+          <p:cNvPr id="12" name="Table 11">
+            <a:extLst>
+              <a:ext uri="{FF2B5EF4-FFF2-40B4-BE49-F238E27FC236}">
+                <a16:creationId xmlns:a16="http://schemas.microsoft.com/office/drawing/2014/main" id="{F873BCC9-D61E-4403-B102-35CE418F817A}"/>
+              </a:ext>
+            </a:extLst>
+          </p:cNvPr>
+          <p:cNvGraphicFramePr>
+            <a:graphicFrameLocks noGrp="1"/>
+          </p:cNvGraphicFramePr>
+          <p:nvPr>
+            <p:extLst>
+              <p:ext uri="{D42A27DB-BD31-4B8C-83A1-F6EECF244321}">
+                <p14:modId xmlns:p14="http://schemas.microsoft.com/office/powerpoint/2010/main" val="2646337443"/>
+              </p:ext>
+            </p:extLst>
+          </p:nvPr>
+        </p:nvGraphicFramePr>
+        <p:xfrm>
+          <a:off x="5014762" y="3200400"/>
+          <a:ext cx="7170824" cy="3657600"/>
+        </p:xfrm>
+        <a:graphic>
+          <a:graphicData uri="http://schemas.openxmlformats.org/drawingml/2006/table">
+            <a:tbl>
+              <a:tblPr>
+                <a:tableStyleId>{775DCB02-9BB8-47FD-8907-85C794F793BA}</a:tableStyleId>
+              </a:tblPr>
+              <a:tblGrid>
+                <a:gridCol w="3585412">
+                  <a:extLst>
+                    <a:ext uri="{9D8B030D-6E8A-4147-A177-3AD203B41FA5}">
+                      <a16:colId xmlns:a16="http://schemas.microsoft.com/office/drawing/2014/main" val="1173602723"/>
+                    </a:ext>
+                  </a:extLst>
+                </a:gridCol>
+                <a:gridCol w="3585412">
+                  <a:extLst>
+                    <a:ext uri="{9D8B030D-6E8A-4147-A177-3AD203B41FA5}">
+                      <a16:colId xmlns:a16="http://schemas.microsoft.com/office/drawing/2014/main" val="562848231"/>
+                    </a:ext>
+                  </a:extLst>
+                </a:gridCol>
+              </a:tblGrid>
+              <a:tr h="381663">
+                <a:tc>
+                  <a:txBody>
+                    <a:bodyPr/>
+                    <a:lstStyle/>
+                    <a:p>
+                      <a:r>
+                        <a:rPr lang="en-US" dirty="0">
+                          <a:solidFill>
+                            <a:schemeClr val="accent2">
+                              <a:lumMod val="75000"/>
+                            </a:schemeClr>
+                          </a:solidFill>
+                          <a:effectLst/>
+                        </a:rPr>
+                        <a:t>Abstraction</a:t>
+                      </a:r>
+                    </a:p>
+                  </a:txBody>
+                  <a:tcPr anchor="ctr"/>
+                </a:tc>
+                <a:tc>
+                  <a:txBody>
+                    <a:bodyPr/>
+                    <a:lstStyle/>
+                    <a:p>
+                      <a:r>
+                        <a:rPr lang="en-US" dirty="0">
+                          <a:solidFill>
+                            <a:schemeClr val="accent2">
+                              <a:lumMod val="75000"/>
+                            </a:schemeClr>
+                          </a:solidFill>
+                          <a:effectLst/>
+                        </a:rPr>
+                        <a:t>Encapsulation</a:t>
+                      </a:r>
+                    </a:p>
+                  </a:txBody>
+                  <a:tcPr anchor="ctr"/>
+                </a:tc>
+                <a:extLst>
+                  <a:ext uri="{0D108BD9-81ED-4DB2-BD59-A6C34878D82A}">
+                    <a16:rowId xmlns:a16="http://schemas.microsoft.com/office/drawing/2014/main" val="727098279"/>
+                  </a:ext>
+                </a:extLst>
+              </a:tr>
+              <a:tr h="540689">
+                <a:tc>
+                  <a:txBody>
+                    <a:bodyPr/>
+                    <a:lstStyle/>
+                    <a:p>
+                      <a:r>
+                        <a:rPr lang="en-US" sz="1400">
+                          <a:effectLst/>
+                          <a:latin typeface="Segoe UI" panose="020B0502040204020203" pitchFamily="34" charset="0"/>
+                          <a:cs typeface="Segoe UI" panose="020B0502040204020203" pitchFamily="34" charset="0"/>
+                        </a:rPr>
+                        <a:t>Abstraction solves the problem in the design level.</a:t>
+                      </a:r>
+                    </a:p>
+                  </a:txBody>
+                  <a:tcPr anchor="ctr"/>
+                </a:tc>
+                <a:tc>
+                  <a:txBody>
+                    <a:bodyPr/>
+                    <a:lstStyle/>
+                    <a:p>
+                      <a:r>
+                        <a:rPr lang="en-US" sz="1400">
+                          <a:effectLst/>
+                          <a:latin typeface="Segoe UI" panose="020B0502040204020203" pitchFamily="34" charset="0"/>
+                          <a:cs typeface="Segoe UI" panose="020B0502040204020203" pitchFamily="34" charset="0"/>
+                        </a:rPr>
+                        <a:t>Encapsulation solves the problem in the implementation level.</a:t>
+                      </a:r>
+                    </a:p>
+                  </a:txBody>
+                  <a:tcPr anchor="ctr"/>
+                </a:tc>
+                <a:extLst>
+                  <a:ext uri="{0D108BD9-81ED-4DB2-BD59-A6C34878D82A}">
+                    <a16:rowId xmlns:a16="http://schemas.microsoft.com/office/drawing/2014/main" val="574287962"/>
+                  </a:ext>
+                </a:extLst>
+              </a:tr>
+              <a:tr h="763325">
+                <a:tc>
+                  <a:txBody>
+                    <a:bodyPr/>
+                    <a:lstStyle/>
+                    <a:p>
+                      <a:r>
+                        <a:rPr lang="en-US" sz="1400" dirty="0">
+                          <a:effectLst/>
+                          <a:latin typeface="Segoe UI" panose="020B0502040204020203" pitchFamily="34" charset="0"/>
+                          <a:cs typeface="Segoe UI" panose="020B0502040204020203" pitchFamily="34" charset="0"/>
+                        </a:rPr>
+                        <a:t>Abstraction is used for hiding the unwanted data and giving only relevant data.</a:t>
+                      </a:r>
+                    </a:p>
+                  </a:txBody>
+                  <a:tcPr anchor="ctr"/>
+                </a:tc>
+                <a:tc>
+                  <a:txBody>
+                    <a:bodyPr/>
+                    <a:lstStyle/>
+                    <a:p>
+                      <a:r>
+                        <a:rPr lang="en-US" sz="1400" dirty="0">
+                          <a:effectLst/>
+                          <a:latin typeface="Segoe UI" panose="020B0502040204020203" pitchFamily="34" charset="0"/>
+                          <a:cs typeface="Segoe UI" panose="020B0502040204020203" pitchFamily="34" charset="0"/>
+                        </a:rPr>
+                        <a:t>Encapsulation is hiding the code and data into a single unit to protect the data from outer world.</a:t>
+                      </a:r>
+                    </a:p>
+                  </a:txBody>
+                  <a:tcPr anchor="ctr"/>
+                </a:tc>
+                <a:extLst>
+                  <a:ext uri="{0D108BD9-81ED-4DB2-BD59-A6C34878D82A}">
+                    <a16:rowId xmlns:a16="http://schemas.microsoft.com/office/drawing/2014/main" val="1086415700"/>
+                  </a:ext>
+                </a:extLst>
+              </a:tr>
+              <a:tr h="763325">
+                <a:tc>
+                  <a:txBody>
+                    <a:bodyPr/>
+                    <a:lstStyle/>
+                    <a:p>
+                      <a:r>
+                        <a:rPr lang="en-US" sz="1400">
+                          <a:effectLst/>
+                          <a:latin typeface="Segoe UI" panose="020B0502040204020203" pitchFamily="34" charset="0"/>
+                          <a:cs typeface="Segoe UI" panose="020B0502040204020203" pitchFamily="34" charset="0"/>
+                        </a:rPr>
+                        <a:t>Abstraction is set focus on the object instead of how it does it.</a:t>
+                      </a:r>
+                    </a:p>
+                  </a:txBody>
+                  <a:tcPr anchor="ctr"/>
+                </a:tc>
+                <a:tc>
+                  <a:txBody>
+                    <a:bodyPr/>
+                    <a:lstStyle/>
+                    <a:p>
+                      <a:r>
+                        <a:rPr lang="en-US" sz="1400">
+                          <a:effectLst/>
+                          <a:latin typeface="Segoe UI" panose="020B0502040204020203" pitchFamily="34" charset="0"/>
+                          <a:cs typeface="Segoe UI" panose="020B0502040204020203" pitchFamily="34" charset="0"/>
+                        </a:rPr>
+                        <a:t>Encapsulation means hiding the internal details or mechanics of how an object does something.</a:t>
+                      </a:r>
+                    </a:p>
+                  </a:txBody>
+                  <a:tcPr anchor="ctr"/>
+                </a:tc>
+                <a:extLst>
+                  <a:ext uri="{0D108BD9-81ED-4DB2-BD59-A6C34878D82A}">
+                    <a16:rowId xmlns:a16="http://schemas.microsoft.com/office/drawing/2014/main" val="1126943486"/>
+                  </a:ext>
+                </a:extLst>
+              </a:tr>
+              <a:tr h="1208598">
+                <a:tc>
+                  <a:txBody>
+                    <a:bodyPr/>
+                    <a:lstStyle/>
+                    <a:p>
+                      <a:r>
+                        <a:rPr lang="en-US" sz="1400">
+                          <a:effectLst/>
+                          <a:latin typeface="Segoe UI" panose="020B0502040204020203" pitchFamily="34" charset="0"/>
+                          <a:cs typeface="Segoe UI" panose="020B0502040204020203" pitchFamily="34" charset="0"/>
+                        </a:rPr>
+                        <a:t>Abstraction is outer layout in terms of design.</a:t>
+                      </a:r>
+                      <a:br>
+                        <a:rPr lang="en-US" sz="1400">
+                          <a:effectLst/>
+                          <a:latin typeface="Segoe UI" panose="020B0502040204020203" pitchFamily="34" charset="0"/>
+                          <a:cs typeface="Segoe UI" panose="020B0502040204020203" pitchFamily="34" charset="0"/>
+                        </a:rPr>
+                      </a:br>
+                      <a:r>
+                        <a:rPr lang="en-US" sz="1400">
+                          <a:effectLst/>
+                          <a:latin typeface="Segoe UI" panose="020B0502040204020203" pitchFamily="34" charset="0"/>
+                          <a:cs typeface="Segoe UI" panose="020B0502040204020203" pitchFamily="34" charset="0"/>
+                        </a:rPr>
+                        <a:t>For Example: - Outer Look of a iPhone, like it has a display screen.</a:t>
+                      </a:r>
+                    </a:p>
+                  </a:txBody>
+                  <a:tcPr anchor="ctr"/>
+                </a:tc>
+                <a:tc>
+                  <a:txBody>
+                    <a:bodyPr/>
+                    <a:lstStyle/>
+                    <a:p>
+                      <a:r>
+                        <a:rPr lang="en-US" sz="1400" dirty="0">
+                          <a:effectLst/>
+                          <a:latin typeface="Segoe UI" panose="020B0502040204020203" pitchFamily="34" charset="0"/>
+                          <a:cs typeface="Segoe UI" panose="020B0502040204020203" pitchFamily="34" charset="0"/>
+                        </a:rPr>
+                        <a:t>Encapsulation is inner layout in terms of implementation.</a:t>
+                      </a:r>
+                      <a:br>
+                        <a:rPr lang="en-US" sz="1400" dirty="0">
+                          <a:effectLst/>
+                          <a:latin typeface="Segoe UI" panose="020B0502040204020203" pitchFamily="34" charset="0"/>
+                          <a:cs typeface="Segoe UI" panose="020B0502040204020203" pitchFamily="34" charset="0"/>
+                        </a:rPr>
+                      </a:br>
+                      <a:r>
+                        <a:rPr lang="en-US" sz="1400" dirty="0">
+                          <a:effectLst/>
+                          <a:latin typeface="Segoe UI" panose="020B0502040204020203" pitchFamily="34" charset="0"/>
+                          <a:cs typeface="Segoe UI" panose="020B0502040204020203" pitchFamily="34" charset="0"/>
+                        </a:rPr>
+                        <a:t>For Example: - Inner Implementation detail of a iPhone, how Display Screen are connect with each other using circuits</a:t>
+                      </a:r>
+                    </a:p>
+                  </a:txBody>
+                  <a:tcPr anchor="ctr"/>
+                </a:tc>
+                <a:extLst>
+                  <a:ext uri="{0D108BD9-81ED-4DB2-BD59-A6C34878D82A}">
+                    <a16:rowId xmlns:a16="http://schemas.microsoft.com/office/drawing/2014/main" val="3189132106"/>
+                  </a:ext>
+                </a:extLst>
+              </a:tr>
+            </a:tbl>
+          </a:graphicData>
+        </a:graphic>
+      </p:graphicFrame>
+    </p:spTree>
+    <p:extLst>
+      <p:ext uri="{BB962C8B-B14F-4D97-AF65-F5344CB8AC3E}">
+        <p14:creationId xmlns:p14="http://schemas.microsoft.com/office/powerpoint/2010/main" val="3583090298"/>
+      </p:ext>
+    </p:extLst>
+  </p:cSld>
+  <p:clrMapOvr>
+    <a:masterClrMapping/>
+  </p:clrMapOvr>
+</p:sld>
+</file>
+
+<file path=ppt/slides/slide7.xml><?xml version="1.0" encoding="utf-8"?>
+<p:sld xmlns:a="http://schemas.openxmlformats.org/drawingml/2006/main" xmlns:r="http://schemas.openxmlformats.org/officeDocument/2006/relationships" xmlns:p="http://schemas.openxmlformats.org/presentationml/2006/main">
+  <p:cSld>
+    <p:spTree>
+      <p:nvGrpSpPr>
+        <p:cNvPr id="1" name=""/>
+        <p:cNvGrpSpPr/>
+        <p:nvPr/>
+      </p:nvGrpSpPr>
+      <p:grpSpPr>
+        <a:xfrm>
+          <a:off x="0" y="0"/>
+          <a:ext cx="0" cy="0"/>
+          <a:chOff x="0" y="0"/>
+          <a:chExt cx="0" cy="0"/>
+        </a:xfrm>
+      </p:grpSpPr>
+      <p:sp>
+        <p:nvSpPr>
+          <p:cNvPr id="3" name="TextBox 2">
+            <a:extLst>
+              <a:ext uri="{FF2B5EF4-FFF2-40B4-BE49-F238E27FC236}">
+                <a16:creationId xmlns:a16="http://schemas.microsoft.com/office/drawing/2014/main" id="{FF094022-0009-485D-A5C0-1469494039BC}"/>
+              </a:ext>
+            </a:extLst>
+          </p:cNvPr>
+          <p:cNvSpPr txBox="1"/>
+          <p:nvPr/>
+        </p:nvSpPr>
+        <p:spPr>
+          <a:xfrm>
+            <a:off x="-1" y="227062"/>
+            <a:ext cx="9028497" cy="1631216"/>
+          </a:xfrm>
+          <a:prstGeom prst="rect">
+            <a:avLst/>
+          </a:prstGeom>
+          <a:noFill/>
+        </p:spPr>
+        <p:txBody>
+          <a:bodyPr wrap="square">
+            <a:spAutoFit/>
+          </a:bodyPr>
+          <a:lstStyle/>
+          <a:p>
+            <a:pPr algn="just" fontAlgn="base"/>
+            <a:r>
+              <a:rPr lang="en-US" sz="2800" i="0" dirty="0">
+                <a:solidFill>
+                  <a:schemeClr val="accent2">
+                    <a:lumMod val="75000"/>
+                  </a:schemeClr>
+                </a:solidFill>
+                <a:effectLst/>
+                <a:latin typeface="Segoe UI" panose="020B0502040204020203" pitchFamily="34" charset="0"/>
+                <a:cs typeface="Segoe UI" panose="020B0502040204020203" pitchFamily="34" charset="0"/>
+              </a:rPr>
+              <a:t>What is Inheritance?</a:t>
+            </a:r>
+          </a:p>
+          <a:p>
+            <a:pPr algn="just" fontAlgn="base"/>
+            <a:r>
+              <a:rPr lang="en-US" b="0" i="0" dirty="0">
+                <a:solidFill>
+                  <a:srgbClr val="000000"/>
+                </a:solidFill>
+                <a:effectLst/>
+                <a:latin typeface="Segoe UI" panose="020B0502040204020203" pitchFamily="34" charset="0"/>
+                <a:cs typeface="Segoe UI" panose="020B0502040204020203" pitchFamily="34" charset="0"/>
+              </a:rPr>
+              <a:t>The process by which the members of one class are transferred to another class is called </a:t>
+            </a:r>
+            <a:r>
+              <a:rPr lang="en-US" b="1" i="0" u="none" strike="noStrike" dirty="0">
+                <a:solidFill>
+                  <a:srgbClr val="007BFF"/>
+                </a:solidFill>
+                <a:effectLst/>
+                <a:latin typeface="Segoe UI" panose="020B0502040204020203" pitchFamily="34" charset="0"/>
+                <a:cs typeface="Segoe UI" panose="020B0502040204020203" pitchFamily="34" charset="0"/>
+                <a:hlinkClick r:id="rId2"/>
+              </a:rPr>
+              <a:t>inheritance</a:t>
+            </a:r>
+            <a:r>
+              <a:rPr lang="en-US" b="0" i="0" dirty="0">
+                <a:solidFill>
+                  <a:srgbClr val="000000"/>
+                </a:solidFill>
+                <a:effectLst/>
+                <a:latin typeface="Segoe UI" panose="020B0502040204020203" pitchFamily="34" charset="0"/>
+                <a:cs typeface="Segoe UI" panose="020B0502040204020203" pitchFamily="34" charset="0"/>
+              </a:rPr>
+              <a:t>. The class from which the members are transferred is called the Parent/base class and the class which inherits the members of the Parent class is called the Derived/ child class. We can achieve code</a:t>
+            </a:r>
+            <a:r>
+              <a:rPr lang="en-US" b="1" i="0" dirty="0">
+                <a:solidFill>
+                  <a:srgbClr val="000000"/>
+                </a:solidFill>
+                <a:effectLst/>
+                <a:latin typeface="Segoe UI" panose="020B0502040204020203" pitchFamily="34" charset="0"/>
+                <a:cs typeface="Segoe UI" panose="020B0502040204020203" pitchFamily="34" charset="0"/>
+              </a:rPr>
+              <a:t> extensibility</a:t>
+            </a:r>
+            <a:r>
+              <a:rPr lang="en-US" b="0" i="0" dirty="0">
+                <a:solidFill>
+                  <a:srgbClr val="000000"/>
+                </a:solidFill>
+                <a:effectLst/>
+                <a:latin typeface="Segoe UI" panose="020B0502040204020203" pitchFamily="34" charset="0"/>
+                <a:cs typeface="Segoe UI" panose="020B0502040204020203" pitchFamily="34" charset="0"/>
+              </a:rPr>
+              <a:t> through inheritance.</a:t>
+            </a:r>
+            <a:endParaRPr lang="en-US" b="0" i="0" dirty="0">
+              <a:solidFill>
+                <a:srgbClr val="212529"/>
+              </a:solidFill>
+              <a:effectLst/>
+              <a:latin typeface="Segoe UI" panose="020B0502040204020203" pitchFamily="34" charset="0"/>
+              <a:cs typeface="Segoe UI" panose="020B0502040204020203" pitchFamily="34" charset="0"/>
+            </a:endParaRPr>
+          </a:p>
+        </p:txBody>
+      </p:sp>
+      <p:pic>
+        <p:nvPicPr>
+          <p:cNvPr id="2050" name="Picture 2" descr="Dominant, family, genetic, inheritance, inherited, pedigree icon - Download  on Iconfinder">
+            <a:extLst>
+              <a:ext uri="{FF2B5EF4-FFF2-40B4-BE49-F238E27FC236}">
+                <a16:creationId xmlns:a16="http://schemas.microsoft.com/office/drawing/2014/main" id="{9A502FA6-9ECB-44DC-8D56-8BAE9482EF4E}"/>
+              </a:ext>
+            </a:extLst>
+          </p:cNvPr>
+          <p:cNvPicPr>
+            <a:picLocks noChangeAspect="1" noChangeArrowheads="1"/>
+          </p:cNvPicPr>
+          <p:nvPr/>
+        </p:nvPicPr>
+        <p:blipFill>
+          <a:blip r:embed="rId3">
+            <a:extLst>
+              <a:ext uri="{28A0092B-C50C-407E-A947-70E740481C1C}">
+                <a14:useLocalDpi xmlns:a14="http://schemas.microsoft.com/office/drawing/2010/main" val="0"/>
+              </a:ext>
+            </a:extLst>
+          </a:blip>
+          <a:srcRect/>
+          <a:stretch>
+            <a:fillRect/>
+          </a:stretch>
+        </p:blipFill>
+        <p:spPr bwMode="auto">
+          <a:xfrm>
+            <a:off x="9095926" y="227063"/>
+            <a:ext cx="2781649" cy="2781649"/>
+          </a:xfrm>
+          <a:prstGeom prst="rect">
+            <a:avLst/>
+          </a:prstGeom>
+          <a:noFill/>
+          <a:extLst>
+            <a:ext uri="{909E8E84-426E-40DD-AFC4-6F175D3DCCD1}">
+              <a14:hiddenFill xmlns:a14="http://schemas.microsoft.com/office/drawing/2010/main">
+                <a:solidFill>
+                  <a:srgbClr val="FFFFFF"/>
+                </a:solidFill>
+              </a14:hiddenFill>
+            </a:ext>
+          </a:extLst>
+        </p:spPr>
+      </p:pic>
+      <p:pic>
+        <p:nvPicPr>
+          <p:cNvPr id="2052" name="Picture 4" descr="Polymorphism in Java">
+            <a:extLst>
+              <a:ext uri="{FF2B5EF4-FFF2-40B4-BE49-F238E27FC236}">
+                <a16:creationId xmlns:a16="http://schemas.microsoft.com/office/drawing/2014/main" id="{693607F6-E2FB-43C0-B31A-88F1902CC3C1}"/>
+              </a:ext>
+            </a:extLst>
+          </p:cNvPr>
+          <p:cNvPicPr>
+            <a:picLocks noChangeAspect="1" noChangeArrowheads="1"/>
+          </p:cNvPicPr>
+          <p:nvPr/>
+        </p:nvPicPr>
+        <p:blipFill rotWithShape="1">
+          <a:blip r:embed="rId4">
+            <a:extLst>
+              <a:ext uri="{28A0092B-C50C-407E-A947-70E740481C1C}">
+                <a14:useLocalDpi xmlns:a14="http://schemas.microsoft.com/office/drawing/2010/main" val="0"/>
+              </a:ext>
+            </a:extLst>
+          </a:blip>
+          <a:srcRect l="22889" t="6007" r="25921" b="8623"/>
+          <a:stretch/>
+        </p:blipFill>
+        <p:spPr bwMode="auto">
+          <a:xfrm flipH="1">
+            <a:off x="193040" y="1981199"/>
+            <a:ext cx="3992880" cy="3484881"/>
+          </a:xfrm>
+          <a:prstGeom prst="rect">
+            <a:avLst/>
+          </a:prstGeom>
+          <a:noFill/>
+          <a:extLst>
+            <a:ext uri="{909E8E84-426E-40DD-AFC4-6F175D3DCCD1}">
+              <a14:hiddenFill xmlns:a14="http://schemas.microsoft.com/office/drawing/2010/main">
+                <a:solidFill>
+                  <a:srgbClr val="FFFFFF"/>
+                </a:solidFill>
+              </a14:hiddenFill>
+            </a:ext>
+          </a:extLst>
+        </p:spPr>
+      </p:pic>
+      <p:sp>
+        <p:nvSpPr>
+          <p:cNvPr id="7" name="TextBox 6">
+            <a:extLst>
+              <a:ext uri="{FF2B5EF4-FFF2-40B4-BE49-F238E27FC236}">
+                <a16:creationId xmlns:a16="http://schemas.microsoft.com/office/drawing/2014/main" id="{85C7DDC8-0457-41CA-B405-7CA07C0986B6}"/>
+              </a:ext>
+            </a:extLst>
+          </p:cNvPr>
+          <p:cNvSpPr txBox="1"/>
+          <p:nvPr/>
+        </p:nvSpPr>
+        <p:spPr>
+          <a:xfrm>
+            <a:off x="3936734" y="3008712"/>
+            <a:ext cx="8181472" cy="2123658"/>
+          </a:xfrm>
+          <a:prstGeom prst="rect">
+            <a:avLst/>
+          </a:prstGeom>
+          <a:noFill/>
+        </p:spPr>
+        <p:txBody>
+          <a:bodyPr wrap="square">
+            <a:spAutoFit/>
+          </a:bodyPr>
+          <a:lstStyle/>
+          <a:p>
+            <a:pPr algn="just" fontAlgn="base"/>
+            <a:r>
+              <a:rPr lang="en-US" sz="2400" i="0" dirty="0">
+                <a:solidFill>
+                  <a:schemeClr val="accent2">
+                    <a:lumMod val="75000"/>
+                  </a:schemeClr>
+                </a:solidFill>
+                <a:effectLst/>
+                <a:latin typeface="Segoe UI" panose="020B0502040204020203" pitchFamily="34" charset="0"/>
+                <a:cs typeface="Segoe UI" panose="020B0502040204020203" pitchFamily="34" charset="0"/>
+              </a:rPr>
+              <a:t>What is Polymorphism?</a:t>
+            </a:r>
+          </a:p>
+          <a:p>
+            <a:pPr algn="just" fontAlgn="base"/>
+            <a:r>
+              <a:rPr lang="en-US" b="0" i="0" dirty="0">
+                <a:solidFill>
+                  <a:srgbClr val="000000"/>
+                </a:solidFill>
+                <a:effectLst/>
+                <a:latin typeface="Segoe UI" panose="020B0502040204020203" pitchFamily="34" charset="0"/>
+                <a:cs typeface="Segoe UI" panose="020B0502040204020203" pitchFamily="34" charset="0"/>
+              </a:rPr>
+              <a:t>The word </a:t>
+            </a:r>
+            <a:r>
+              <a:rPr lang="en-US" b="1" i="0" u="none" strike="noStrike" dirty="0">
+                <a:solidFill>
+                  <a:srgbClr val="007BFF"/>
+                </a:solidFill>
+                <a:effectLst/>
+                <a:latin typeface="Segoe UI" panose="020B0502040204020203" pitchFamily="34" charset="0"/>
+                <a:cs typeface="Segoe UI" panose="020B0502040204020203" pitchFamily="34" charset="0"/>
+                <a:hlinkClick r:id="rId5"/>
+              </a:rPr>
+              <a:t>Polymorphism</a:t>
+            </a:r>
+            <a:r>
+              <a:rPr lang="en-US" b="0" i="0" u="none" strike="noStrike" dirty="0">
+                <a:solidFill>
+                  <a:srgbClr val="007BFF"/>
+                </a:solidFill>
+                <a:effectLst/>
+                <a:latin typeface="Segoe UI" panose="020B0502040204020203" pitchFamily="34" charset="0"/>
+                <a:cs typeface="Segoe UI" panose="020B0502040204020203" pitchFamily="34" charset="0"/>
+                <a:hlinkClick r:id="rId5"/>
+              </a:rPr>
+              <a:t> </a:t>
+            </a:r>
+            <a:r>
+              <a:rPr lang="en-US" b="0" i="0" dirty="0">
+                <a:solidFill>
+                  <a:srgbClr val="000000"/>
+                </a:solidFill>
+                <a:effectLst/>
+                <a:latin typeface="Segoe UI" panose="020B0502040204020203" pitchFamily="34" charset="0"/>
+                <a:cs typeface="Segoe UI" panose="020B0502040204020203" pitchFamily="34" charset="0"/>
+              </a:rPr>
+              <a:t>is derived from the Greek word, where Poly means many and morph means faces/ behaviors. So, the word polymorphism means the ability to take more than one form. Technically, we can say that when the same function/operator will show different behaviors by taking different types of values or with a different number of values called </a:t>
+            </a:r>
+            <a:r>
+              <a:rPr lang="en-US" b="1" i="0" u="none" strike="noStrike" dirty="0">
+                <a:solidFill>
+                  <a:srgbClr val="007BFF"/>
+                </a:solidFill>
+                <a:effectLst/>
+                <a:latin typeface="Segoe UI" panose="020B0502040204020203" pitchFamily="34" charset="0"/>
+                <a:cs typeface="Segoe UI" panose="020B0502040204020203" pitchFamily="34" charset="0"/>
+                <a:hlinkClick r:id="rId5"/>
+              </a:rPr>
+              <a:t>Polymorphism</a:t>
+            </a:r>
+            <a:r>
+              <a:rPr lang="en-US" b="0" i="0" dirty="0">
+                <a:solidFill>
+                  <a:srgbClr val="000000"/>
+                </a:solidFill>
+                <a:effectLst/>
+                <a:latin typeface="Segoe UI" panose="020B0502040204020203" pitchFamily="34" charset="0"/>
+                <a:cs typeface="Segoe UI" panose="020B0502040204020203" pitchFamily="34" charset="0"/>
+              </a:rPr>
+              <a:t>. There are two types of polymorphism</a:t>
+            </a:r>
+            <a:endParaRPr lang="en-US" b="0" i="0" dirty="0">
+              <a:solidFill>
+                <a:srgbClr val="212529"/>
+              </a:solidFill>
+              <a:effectLst/>
+              <a:latin typeface="Segoe UI" panose="020B0502040204020203" pitchFamily="34" charset="0"/>
+              <a:cs typeface="Segoe UI" panose="020B0502040204020203" pitchFamily="34" charset="0"/>
+            </a:endParaRPr>
+          </a:p>
+        </p:txBody>
+      </p:sp>
+      <p:sp>
+        <p:nvSpPr>
+          <p:cNvPr id="9" name="TextBox 8">
+            <a:extLst>
+              <a:ext uri="{FF2B5EF4-FFF2-40B4-BE49-F238E27FC236}">
+                <a16:creationId xmlns:a16="http://schemas.microsoft.com/office/drawing/2014/main" id="{48F9C33E-3E50-4B0E-ADF3-A323393CBD58}"/>
+              </a:ext>
+            </a:extLst>
+          </p:cNvPr>
+          <p:cNvSpPr txBox="1"/>
+          <p:nvPr/>
+        </p:nvSpPr>
+        <p:spPr>
+          <a:xfrm>
+            <a:off x="3936734" y="5142914"/>
+            <a:ext cx="7584707" cy="646331"/>
+          </a:xfrm>
+          <a:prstGeom prst="rect">
+            <a:avLst/>
+          </a:prstGeom>
+          <a:noFill/>
+        </p:spPr>
+        <p:txBody>
+          <a:bodyPr wrap="square">
+            <a:spAutoFit/>
+          </a:bodyPr>
+          <a:lstStyle/>
+          <a:p>
+            <a:pPr algn="just" fontAlgn="base">
+              <a:buFont typeface="+mj-lt"/>
+              <a:buAutoNum type="arabicPeriod"/>
+            </a:pPr>
+            <a:r>
+              <a:rPr lang="en-US" b="0" i="0" dirty="0">
+                <a:solidFill>
+                  <a:srgbClr val="000000"/>
+                </a:solidFill>
+                <a:effectLst/>
+                <a:latin typeface="Segoe UI" panose="020B0502040204020203" pitchFamily="34" charset="0"/>
+                <a:cs typeface="Segoe UI" panose="020B0502040204020203" pitchFamily="34" charset="0"/>
+              </a:rPr>
+              <a:t>Static polymorphism/compile-time polymorphism/Early binding</a:t>
+            </a:r>
+            <a:endParaRPr lang="en-US" b="0" i="0" dirty="0">
+              <a:solidFill>
+                <a:srgbClr val="212529"/>
+              </a:solidFill>
+              <a:effectLst/>
+              <a:latin typeface="Segoe UI" panose="020B0502040204020203" pitchFamily="34" charset="0"/>
+              <a:cs typeface="Segoe UI" panose="020B0502040204020203" pitchFamily="34" charset="0"/>
+            </a:endParaRPr>
+          </a:p>
+          <a:p>
+            <a:pPr algn="just" fontAlgn="base">
+              <a:buFont typeface="+mj-lt"/>
+              <a:buAutoNum type="arabicPeriod"/>
+            </a:pPr>
+            <a:r>
+              <a:rPr lang="en-US" b="0" i="0" dirty="0">
+                <a:solidFill>
+                  <a:srgbClr val="000000"/>
+                </a:solidFill>
+                <a:effectLst/>
+                <a:latin typeface="Segoe UI" panose="020B0502040204020203" pitchFamily="34" charset="0"/>
+                <a:cs typeface="Segoe UI" panose="020B0502040204020203" pitchFamily="34" charset="0"/>
+              </a:rPr>
+              <a:t>Dynamic polymorphism/Run time polymorphism/Late binding</a:t>
+            </a:r>
+            <a:endParaRPr lang="en-US" b="0" i="0" dirty="0">
+              <a:solidFill>
+                <a:srgbClr val="212529"/>
+              </a:solidFill>
+              <a:effectLst/>
+              <a:latin typeface="Segoe UI" panose="020B0502040204020203" pitchFamily="34" charset="0"/>
+              <a:cs typeface="Segoe UI" panose="020B0502040204020203" pitchFamily="34" charset="0"/>
+            </a:endParaRPr>
+          </a:p>
+        </p:txBody>
+      </p:sp>
+      <p:sp>
+        <p:nvSpPr>
+          <p:cNvPr id="11" name="TextBox 10">
+            <a:extLst>
+              <a:ext uri="{FF2B5EF4-FFF2-40B4-BE49-F238E27FC236}">
+                <a16:creationId xmlns:a16="http://schemas.microsoft.com/office/drawing/2014/main" id="{19DCC72C-9623-4A2D-A14F-427CB7039908}"/>
+              </a:ext>
+            </a:extLst>
+          </p:cNvPr>
+          <p:cNvSpPr txBox="1"/>
+          <p:nvPr/>
+        </p:nvSpPr>
+        <p:spPr>
+          <a:xfrm>
+            <a:off x="193040" y="5979443"/>
+            <a:ext cx="11925166" cy="646331"/>
+          </a:xfrm>
+          <a:prstGeom prst="rect">
+            <a:avLst/>
+          </a:prstGeom>
+          <a:noFill/>
+        </p:spPr>
+        <p:txBody>
+          <a:bodyPr wrap="square">
+            <a:spAutoFit/>
+          </a:bodyPr>
+          <a:lstStyle/>
+          <a:p>
+            <a:r>
+              <a:rPr lang="en-US" b="0" i="0" dirty="0">
+                <a:solidFill>
+                  <a:srgbClr val="000000"/>
+                </a:solidFill>
+                <a:effectLst/>
+                <a:latin typeface="Segoe UI" panose="020B0502040204020203" pitchFamily="34" charset="0"/>
+                <a:cs typeface="Segoe UI" panose="020B0502040204020203" pitchFamily="34" charset="0"/>
+              </a:rPr>
+              <a:t>Static polymorphism is achieved by using </a:t>
+            </a:r>
+            <a:r>
+              <a:rPr lang="en-US" b="1" i="0" dirty="0">
+                <a:solidFill>
+                  <a:srgbClr val="000000"/>
+                </a:solidFill>
+                <a:effectLst/>
+                <a:latin typeface="Segoe UI" panose="020B0502040204020203" pitchFamily="34" charset="0"/>
+                <a:cs typeface="Segoe UI" panose="020B0502040204020203" pitchFamily="34" charset="0"/>
+              </a:rPr>
+              <a:t>function overloading and operator overloading</a:t>
+            </a:r>
+            <a:r>
+              <a:rPr lang="en-US" b="0" i="0" dirty="0">
+                <a:solidFill>
+                  <a:srgbClr val="000000"/>
+                </a:solidFill>
+                <a:effectLst/>
+                <a:latin typeface="Segoe UI" panose="020B0502040204020203" pitchFamily="34" charset="0"/>
+                <a:cs typeface="Segoe UI" panose="020B0502040204020203" pitchFamily="34" charset="0"/>
+              </a:rPr>
+              <a:t> whereas dynamic polymorphism is achieved by using </a:t>
+            </a:r>
+            <a:r>
+              <a:rPr lang="en-US" b="1" i="0" dirty="0">
+                <a:solidFill>
+                  <a:srgbClr val="000000"/>
+                </a:solidFill>
+                <a:effectLst/>
+                <a:latin typeface="Segoe UI" panose="020B0502040204020203" pitchFamily="34" charset="0"/>
+                <a:cs typeface="Segoe UI" panose="020B0502040204020203" pitchFamily="34" charset="0"/>
+              </a:rPr>
+              <a:t>function overriding</a:t>
+            </a:r>
+            <a:r>
+              <a:rPr lang="en-US" b="0" i="0" dirty="0">
+                <a:solidFill>
+                  <a:srgbClr val="000000"/>
+                </a:solidFill>
+                <a:effectLst/>
+                <a:latin typeface="Segoe UI" panose="020B0502040204020203" pitchFamily="34" charset="0"/>
+                <a:cs typeface="Segoe UI" panose="020B0502040204020203" pitchFamily="34" charset="0"/>
+              </a:rPr>
+              <a:t>.</a:t>
+            </a:r>
+            <a:endParaRPr lang="en-US" dirty="0">
+              <a:latin typeface="Segoe UI" panose="020B0502040204020203" pitchFamily="34" charset="0"/>
+              <a:cs typeface="Segoe UI" panose="020B0502040204020203" pitchFamily="34" charset="0"/>
+            </a:endParaRPr>
+          </a:p>
+        </p:txBody>
+      </p:sp>
+    </p:spTree>
+    <p:extLst>
+      <p:ext uri="{BB962C8B-B14F-4D97-AF65-F5344CB8AC3E}">
+        <p14:creationId xmlns:p14="http://schemas.microsoft.com/office/powerpoint/2010/main" val="4219469163"/>
+      </p:ext>
+    </p:extLst>
+  </p:cSld>
+  <p:clrMapOvr>
+    <a:masterClrMapping/>
+  </p:clrMapOvr>
+</p:sld>
+</file>
+
+<file path=ppt/slides/slide8.xml><?xml version="1.0" encoding="utf-8"?>
+<p:sld xmlns:a="http://schemas.openxmlformats.org/drawingml/2006/main" xmlns:r="http://schemas.openxmlformats.org/officeDocument/2006/relationships" xmlns:p="http://schemas.openxmlformats.org/presentationml/2006/main">
+  <p:cSld>
+    <p:spTree>
+      <p:nvGrpSpPr>
+        <p:cNvPr id="1" name=""/>
+        <p:cNvGrpSpPr/>
+        <p:nvPr/>
+      </p:nvGrpSpPr>
+      <p:grpSpPr>
+        <a:xfrm>
+          <a:off x="0" y="0"/>
+          <a:ext cx="0" cy="0"/>
+          <a:chOff x="0" y="0"/>
+          <a:chExt cx="0" cy="0"/>
+        </a:xfrm>
+      </p:grpSpPr>
+      <p:sp>
+        <p:nvSpPr>
+          <p:cNvPr id="3" name="TextBox 2">
+            <a:extLst>
+              <a:ext uri="{FF2B5EF4-FFF2-40B4-BE49-F238E27FC236}">
+                <a16:creationId xmlns:a16="http://schemas.microsoft.com/office/drawing/2014/main" id="{86D8DC7E-E2D0-41B7-B806-C1ED1BF7CD06}"/>
+              </a:ext>
+            </a:extLst>
+          </p:cNvPr>
+          <p:cNvSpPr txBox="1"/>
+          <p:nvPr/>
+        </p:nvSpPr>
+        <p:spPr>
+          <a:xfrm>
+            <a:off x="0" y="117961"/>
+            <a:ext cx="12076497" cy="2677656"/>
+          </a:xfrm>
+          <a:prstGeom prst="rect">
+            <a:avLst/>
+          </a:prstGeom>
+          <a:noFill/>
+        </p:spPr>
+        <p:txBody>
+          <a:bodyPr wrap="square">
+            <a:spAutoFit/>
+          </a:bodyPr>
+          <a:lstStyle/>
+          <a:p>
+            <a:pPr algn="just" fontAlgn="base"/>
+            <a:r>
+              <a:rPr lang="en-US" sz="2400" i="0" dirty="0">
+                <a:solidFill>
+                  <a:schemeClr val="accent2">
+                    <a:lumMod val="75000"/>
+                  </a:schemeClr>
+                </a:solidFill>
+                <a:effectLst/>
+                <a:latin typeface="Segoe UI" panose="020B0502040204020203" pitchFamily="34" charset="0"/>
+                <a:cs typeface="Segoe UI" panose="020B0502040204020203" pitchFamily="34" charset="0"/>
+              </a:rPr>
+              <a:t>Why do we need real-world objects in a Project?</a:t>
+            </a:r>
+          </a:p>
+          <a:p>
+            <a:pPr algn="just" fontAlgn="base"/>
+            <a:r>
+              <a:rPr lang="en-US" b="0" i="0" dirty="0">
+                <a:solidFill>
+                  <a:srgbClr val="000000"/>
+                </a:solidFill>
+                <a:effectLst/>
+                <a:latin typeface="Segoe UI" panose="020B0502040204020203" pitchFamily="34" charset="0"/>
+                <a:cs typeface="Segoe UI" panose="020B0502040204020203" pitchFamily="34" charset="0"/>
+              </a:rPr>
+              <a:t>We need real-world objects in a project because real-world objects are part of our business. As we are developing applications (software) for automating the business, we must have to create the business-related real-world objects in the project.</a:t>
+            </a:r>
+          </a:p>
+          <a:p>
+            <a:pPr algn="just" fontAlgn="base"/>
+            <a:endParaRPr lang="en-US" b="0" i="0" dirty="0">
+              <a:solidFill>
+                <a:srgbClr val="212529"/>
+              </a:solidFill>
+              <a:effectLst/>
+              <a:latin typeface="Segoe UI" panose="020B0502040204020203" pitchFamily="34" charset="0"/>
+              <a:cs typeface="Segoe UI" panose="020B0502040204020203" pitchFamily="34" charset="0"/>
+            </a:endParaRPr>
+          </a:p>
+          <a:p>
+            <a:pPr algn="just" fontAlgn="base"/>
+            <a:r>
+              <a:rPr lang="en-US" b="0" i="0" dirty="0">
+                <a:solidFill>
+                  <a:srgbClr val="000000"/>
+                </a:solidFill>
+                <a:effectLst/>
+                <a:latin typeface="Segoe UI" panose="020B0502040204020203" pitchFamily="34" charset="0"/>
+                <a:cs typeface="Segoe UI" panose="020B0502040204020203" pitchFamily="34" charset="0"/>
+              </a:rPr>
+              <a:t>For example, to automate the Bank business we must create real-world objects like Customer, Manager, Clerk, Office Assistant, Marketing Executive, Computer, Printer, Chair, table, etc. So along with the Bank object, we must also have to create all the above objects because without all the above objects we cannot run a Bank business. Technically we call the above objects are business objects.</a:t>
+            </a:r>
+            <a:endParaRPr lang="en-US" b="0" i="0" dirty="0">
+              <a:solidFill>
+                <a:srgbClr val="212529"/>
+              </a:solidFill>
+              <a:effectLst/>
+              <a:latin typeface="Segoe UI" panose="020B0502040204020203" pitchFamily="34" charset="0"/>
+              <a:cs typeface="Segoe UI" panose="020B0502040204020203" pitchFamily="34" charset="0"/>
+            </a:endParaRPr>
+          </a:p>
+        </p:txBody>
+      </p:sp>
+      <p:sp>
+        <p:nvSpPr>
+          <p:cNvPr id="5" name="TextBox 4">
+            <a:extLst>
+              <a:ext uri="{FF2B5EF4-FFF2-40B4-BE49-F238E27FC236}">
+                <a16:creationId xmlns:a16="http://schemas.microsoft.com/office/drawing/2014/main" id="{70C2480A-A9F6-4556-BA78-355893DAE16B}"/>
+              </a:ext>
+            </a:extLst>
+          </p:cNvPr>
+          <p:cNvSpPr txBox="1"/>
+          <p:nvPr/>
+        </p:nvSpPr>
+        <p:spPr>
+          <a:xfrm>
+            <a:off x="-1" y="3241382"/>
+            <a:ext cx="12076497" cy="923330"/>
+          </a:xfrm>
+          <a:prstGeom prst="rect">
+            <a:avLst/>
+          </a:prstGeom>
+          <a:noFill/>
+        </p:spPr>
+        <p:txBody>
+          <a:bodyPr wrap="square">
+            <a:spAutoFit/>
+          </a:bodyPr>
+          <a:lstStyle/>
+          <a:p>
+            <a:pPr algn="just" fontAlgn="base"/>
+            <a:r>
+              <a:rPr lang="en-US" i="0" dirty="0">
+                <a:solidFill>
+                  <a:schemeClr val="accent2">
+                    <a:lumMod val="75000"/>
+                  </a:schemeClr>
+                </a:solidFill>
+                <a:effectLst/>
+                <a:latin typeface="Segoe UI" panose="020B0502040204020203" pitchFamily="34" charset="0"/>
+                <a:cs typeface="Segoe UI" panose="020B0502040204020203" pitchFamily="34" charset="0"/>
+              </a:rPr>
+              <a:t>What types of programming languages come under the OOP system?</a:t>
+            </a:r>
+          </a:p>
+          <a:p>
+            <a:pPr algn="just" fontAlgn="base"/>
+            <a:r>
+              <a:rPr lang="en-US" b="0" i="0" dirty="0">
+                <a:solidFill>
+                  <a:srgbClr val="000000"/>
+                </a:solidFill>
+                <a:effectLst/>
+                <a:latin typeface="Segoe UI" panose="020B0502040204020203" pitchFamily="34" charset="0"/>
+                <a:cs typeface="Segoe UI" panose="020B0502040204020203" pitchFamily="34" charset="0"/>
+              </a:rPr>
+              <a:t>The programming languages which implement all the four principles provided by OOPs are called object-oriented programming languages. Examples: Java, </a:t>
+            </a:r>
+            <a:r>
+              <a:rPr lang="en-US" b="0" i="0" dirty="0" err="1">
+                <a:solidFill>
+                  <a:srgbClr val="000000"/>
+                </a:solidFill>
+                <a:effectLst/>
+                <a:latin typeface="Segoe UI" panose="020B0502040204020203" pitchFamily="34" charset="0"/>
+                <a:cs typeface="Segoe UI" panose="020B0502040204020203" pitchFamily="34" charset="0"/>
+              </a:rPr>
+              <a:t>.Net</a:t>
+            </a:r>
+            <a:r>
+              <a:rPr lang="en-US" b="0" i="0" dirty="0">
+                <a:solidFill>
+                  <a:srgbClr val="000000"/>
+                </a:solidFill>
+                <a:effectLst/>
+                <a:latin typeface="Segoe UI" panose="020B0502040204020203" pitchFamily="34" charset="0"/>
+                <a:cs typeface="Segoe UI" panose="020B0502040204020203" pitchFamily="34" charset="0"/>
+              </a:rPr>
+              <a:t>, C++, etc.</a:t>
+            </a:r>
+            <a:endParaRPr lang="en-US" b="0" i="0" dirty="0">
+              <a:solidFill>
+                <a:srgbClr val="212529"/>
+              </a:solidFill>
+              <a:effectLst/>
+              <a:latin typeface="Segoe UI" panose="020B0502040204020203" pitchFamily="34" charset="0"/>
+              <a:cs typeface="Segoe UI" panose="020B0502040204020203" pitchFamily="34" charset="0"/>
+            </a:endParaRPr>
+          </a:p>
+        </p:txBody>
+      </p:sp>
+    </p:spTree>
+    <p:extLst>
+      <p:ext uri="{BB962C8B-B14F-4D97-AF65-F5344CB8AC3E}">
+        <p14:creationId xmlns:p14="http://schemas.microsoft.com/office/powerpoint/2010/main" val="1505490754"/>
+      </p:ext>
+    </p:extLst>
+  </p:cSld>
+  <p:clrMapOvr>
+    <a:masterClrMapping/>
+  </p:clrMapOvr>
+</p:sld>
+</file>
+
 <file path=ppt/theme/theme1.xml><?xml version="1.0" encoding="utf-8"?>
 <a:theme xmlns:a="http://schemas.openxmlformats.org/drawingml/2006/main" name="Office Theme">
   <a:themeElements>
